--- a/osbook/slides/8.sec-virt.pptx
+++ b/osbook/slides/8.sec-virt.pptx
@@ -5,7 +5,7 @@
     <p:sldMasterId id="2147483672" r:id="rId1"/>
   </p:sldMasterIdLst>
   <p:notesMasterIdLst>
-    <p:notesMasterId r:id="rId16"/>
+    <p:notesMasterId r:id="rId18"/>
   </p:notesMasterIdLst>
   <p:sldIdLst>
     <p:sldId id="256" r:id="rId2"/>
@@ -17,11 +17,13 @@
     <p:sldId id="4281" r:id="rId8"/>
     <p:sldId id="4282" r:id="rId9"/>
     <p:sldId id="4283" r:id="rId10"/>
-    <p:sldId id="4284" r:id="rId11"/>
-    <p:sldId id="4285" r:id="rId12"/>
-    <p:sldId id="4286" r:id="rId13"/>
-    <p:sldId id="4287" r:id="rId14"/>
-    <p:sldId id="257" r:id="rId15"/>
+    <p:sldId id="4288" r:id="rId11"/>
+    <p:sldId id="4289" r:id="rId12"/>
+    <p:sldId id="4284" r:id="rId13"/>
+    <p:sldId id="4285" r:id="rId14"/>
+    <p:sldId id="4286" r:id="rId15"/>
+    <p:sldId id="4287" r:id="rId16"/>
+    <p:sldId id="257" r:id="rId17"/>
   </p:sldIdLst>
   <p:sldSz cx="12192000" cy="6858000"/>
   <p:notesSz cx="6858000" cy="9144000"/>
@@ -6946,7 +6948,7 @@
           <a:p>
             <a:fld id="{D1B8C9AA-707B-4201-A572-BEA3BE0B85C7}" type="datetimeFigureOut">
               <a:rPr lang="en-US" smtClean="0"/>
-              <a:t>5/9/2024</a:t>
+              <a:t>11/3/2025</a:t>
             </a:fld>
             <a:endParaRPr lang="en-US"/>
           </a:p>
@@ -7342,7 +7344,7 @@
           <a:p>
             <a:fld id="{56DE3900-C0C2-4A6C-AF65-E11B537462D1}" type="datetime1">
               <a:rPr lang="en-US" smtClean="0"/>
-              <a:t>5/9/2024</a:t>
+              <a:t>11/3/2025</a:t>
             </a:fld>
             <a:endParaRPr lang="en-US"/>
           </a:p>
@@ -7514,7 +7516,7 @@
           <a:p>
             <a:fld id="{D96D1FCD-FEF5-4152-BD00-356A0EE48CA5}" type="datetime1">
               <a:rPr lang="en-US" smtClean="0"/>
-              <a:t>5/9/2024</a:t>
+              <a:t>11/3/2025</a:t>
             </a:fld>
             <a:endParaRPr lang="en-US"/>
           </a:p>
@@ -7696,7 +7698,7 @@
           <a:p>
             <a:fld id="{D7317A22-5731-4A99-A0E0-B6725C6B1489}" type="datetime1">
               <a:rPr lang="en-US" smtClean="0"/>
-              <a:t>5/9/2024</a:t>
+              <a:t>11/3/2025</a:t>
             </a:fld>
             <a:endParaRPr lang="en-US"/>
           </a:p>
@@ -9798,7 +9800,7 @@
           <a:p>
             <a:fld id="{2DD70EE8-2EAB-43B8-8DF2-F7EC468C40E6}" type="datetime1">
               <a:rPr lang="en-US" smtClean="0"/>
-              <a:t>5/9/2024</a:t>
+              <a:t>11/3/2025</a:t>
             </a:fld>
             <a:endParaRPr lang="en-US"/>
           </a:p>
@@ -10047,7 +10049,7 @@
           <a:p>
             <a:fld id="{D2DFE1C6-85BE-4806-A411-CACA0DE5F5A2}" type="datetime1">
               <a:rPr lang="en-US" smtClean="0"/>
-              <a:t>5/9/2024</a:t>
+              <a:t>11/3/2025</a:t>
             </a:fld>
             <a:endParaRPr lang="en-US"/>
           </a:p>
@@ -10280,7 +10282,7 @@
           <a:p>
             <a:fld id="{E8326F56-8953-47CD-A78E-131A41EBA39C}" type="datetime1">
               <a:rPr lang="en-US" smtClean="0"/>
-              <a:t>5/9/2024</a:t>
+              <a:t>11/3/2025</a:t>
             </a:fld>
             <a:endParaRPr lang="en-US"/>
           </a:p>
@@ -10648,7 +10650,7 @@
           <a:p>
             <a:fld id="{21BD9C57-F68C-475B-BB12-A916749DF31E}" type="datetime1">
               <a:rPr lang="en-US" smtClean="0"/>
-              <a:t>5/9/2024</a:t>
+              <a:t>11/3/2025</a:t>
             </a:fld>
             <a:endParaRPr lang="en-US"/>
           </a:p>
@@ -10769,7 +10771,7 @@
           <a:p>
             <a:fld id="{B5DC5B1D-4414-40DA-A38F-F4428D5AC7D6}" type="datetime1">
               <a:rPr lang="en-US" smtClean="0"/>
-              <a:t>5/9/2024</a:t>
+              <a:t>11/3/2025</a:t>
             </a:fld>
             <a:endParaRPr lang="en-US"/>
           </a:p>
@@ -10868,7 +10870,7 @@
           <a:p>
             <a:fld id="{E20F67C3-D9CB-4CFF-96D5-3617DA008641}" type="datetime1">
               <a:rPr lang="en-US" smtClean="0"/>
-              <a:t>5/9/2024</a:t>
+              <a:t>11/3/2025</a:t>
             </a:fld>
             <a:endParaRPr lang="en-US"/>
           </a:p>
@@ -11147,7 +11149,7 @@
           <a:p>
             <a:fld id="{202B0C63-A3FE-4260-A0F4-5C5F59187465}" type="datetime1">
               <a:rPr lang="en-US" smtClean="0"/>
-              <a:t>5/9/2024</a:t>
+              <a:t>11/3/2025</a:t>
             </a:fld>
             <a:endParaRPr lang="en-US"/>
           </a:p>
@@ -11406,7 +11408,7 @@
           <a:p>
             <a:fld id="{D4876130-906A-4BFC-A406-311505E72C69}" type="datetime1">
               <a:rPr lang="en-US" smtClean="0"/>
-              <a:t>5/9/2024</a:t>
+              <a:t>11/3/2025</a:t>
             </a:fld>
             <a:endParaRPr lang="en-US"/>
           </a:p>
@@ -11621,7 +11623,7 @@
           <a:p>
             <a:fld id="{0E000D3E-02F7-43FD-A5E2-F4982879FA8E}" type="datetime1">
               <a:rPr lang="en-US" smtClean="0"/>
-              <a:t>5/9/2024</a:t>
+              <a:t>11/3/2025</a:t>
             </a:fld>
             <a:endParaRPr lang="en-US"/>
           </a:p>
@@ -12540,6 +12542,2661 @@
           <p:cNvPr id="2" name="Title 1">
             <a:extLst>
               <a:ext uri="{FF2B5EF4-FFF2-40B4-BE49-F238E27FC236}">
+                <a16:creationId xmlns:a16="http://schemas.microsoft.com/office/drawing/2014/main" id="{7AEB17C9-A329-5C4B-AE38-F94FCD0BA1C6}"/>
+              </a:ext>
+            </a:extLst>
+          </p:cNvPr>
+          <p:cNvSpPr>
+            <a:spLocks noGrp="1"/>
+          </p:cNvSpPr>
+          <p:nvPr>
+            <p:ph type="title"/>
+          </p:nvPr>
+        </p:nvSpPr>
+        <p:spPr>
+          <a:xfrm>
+            <a:off x="9144" y="-27623"/>
+            <a:ext cx="10515600" cy="1325563"/>
+          </a:xfrm>
+        </p:spPr>
+        <p:txBody>
+          <a:bodyPr/>
+          <a:lstStyle/>
+          <a:p>
+            <a:r>
+              <a:rPr lang="en-IN" dirty="0"/>
+              <a:t>Nested Paging</a:t>
+            </a:r>
+          </a:p>
+        </p:txBody>
+      </p:sp>
+      <p:sp>
+        <p:nvSpPr>
+          <p:cNvPr id="4" name="Footer Placeholder 3">
+            <a:extLst>
+              <a:ext uri="{FF2B5EF4-FFF2-40B4-BE49-F238E27FC236}">
+                <a16:creationId xmlns:a16="http://schemas.microsoft.com/office/drawing/2014/main" id="{F2FFA2F1-3BC8-6B4C-C805-7538F988DB05}"/>
+              </a:ext>
+            </a:extLst>
+          </p:cNvPr>
+          <p:cNvSpPr>
+            <a:spLocks noGrp="1"/>
+          </p:cNvSpPr>
+          <p:nvPr>
+            <p:ph type="ftr" sz="quarter" idx="11"/>
+          </p:nvPr>
+        </p:nvSpPr>
+        <p:spPr/>
+        <p:txBody>
+          <a:bodyPr/>
+          <a:lstStyle/>
+          <a:p>
+            <a:r>
+              <a:rPr lang="it-IT"/>
+              <a:t>(c) Smruti R. Sarangi, 2023</a:t>
+            </a:r>
+            <a:endParaRPr lang="en-US"/>
+          </a:p>
+        </p:txBody>
+      </p:sp>
+      <p:sp>
+        <p:nvSpPr>
+          <p:cNvPr id="5" name="Slide Number Placeholder 4">
+            <a:extLst>
+              <a:ext uri="{FF2B5EF4-FFF2-40B4-BE49-F238E27FC236}">
+                <a16:creationId xmlns:a16="http://schemas.microsoft.com/office/drawing/2014/main" id="{973CA6CD-A023-5CB1-CDC1-6569A0EA6943}"/>
+              </a:ext>
+            </a:extLst>
+          </p:cNvPr>
+          <p:cNvSpPr>
+            <a:spLocks noGrp="1"/>
+          </p:cNvSpPr>
+          <p:nvPr>
+            <p:ph type="sldNum" sz="quarter" idx="12"/>
+          </p:nvPr>
+        </p:nvSpPr>
+        <p:spPr/>
+        <p:txBody>
+          <a:bodyPr/>
+          <a:lstStyle/>
+          <a:p>
+            <a:fld id="{330EA680-D336-4FF7-8B7A-9848BB0A1C32}" type="slidenum">
+              <a:rPr lang="en-US" smtClean="0"/>
+              <a:t>10</a:t>
+            </a:fld>
+            <a:endParaRPr lang="en-US"/>
+          </a:p>
+        </p:txBody>
+      </p:sp>
+      <p:sp>
+        <p:nvSpPr>
+          <p:cNvPr id="6" name="Rectangle: Rounded Corners 5">
+            <a:extLst>
+              <a:ext uri="{FF2B5EF4-FFF2-40B4-BE49-F238E27FC236}">
+                <a16:creationId xmlns:a16="http://schemas.microsoft.com/office/drawing/2014/main" id="{50BE8DD3-E76E-A86A-71DE-766F3A37F570}"/>
+              </a:ext>
+            </a:extLst>
+          </p:cNvPr>
+          <p:cNvSpPr/>
+          <p:nvPr/>
+        </p:nvSpPr>
+        <p:spPr>
+          <a:xfrm>
+            <a:off x="4232910" y="1321860"/>
+            <a:ext cx="2828544" cy="540448"/>
+          </a:xfrm>
+          <a:prstGeom prst="roundRect">
+            <a:avLst/>
+          </a:prstGeom>
+        </p:spPr>
+        <p:style>
+          <a:lnRef idx="2">
+            <a:schemeClr val="accent5"/>
+          </a:lnRef>
+          <a:fillRef idx="1">
+            <a:schemeClr val="lt1"/>
+          </a:fillRef>
+          <a:effectRef idx="0">
+            <a:schemeClr val="accent5"/>
+          </a:effectRef>
+          <a:fontRef idx="minor">
+            <a:schemeClr val="dk1"/>
+          </a:fontRef>
+        </p:style>
+        <p:txBody>
+          <a:bodyPr rtlCol="0" anchor="ctr"/>
+          <a:lstStyle/>
+          <a:p>
+            <a:pPr algn="ctr"/>
+            <a:r>
+              <a:rPr lang="en-IN" sz="2400" dirty="0"/>
+              <a:t>GVA </a:t>
+            </a:r>
+            <a:r>
+              <a:rPr lang="en-IN" sz="2400" dirty="0">
+                <a:sym typeface="Wingdings" panose="05000000000000000000" pitchFamily="2" charset="2"/>
+              </a:rPr>
+              <a:t> GPA  HPA</a:t>
+            </a:r>
+            <a:endParaRPr lang="en-IN" sz="2400" dirty="0"/>
+          </a:p>
+        </p:txBody>
+      </p:sp>
+      <p:sp>
+        <p:nvSpPr>
+          <p:cNvPr id="7" name="Rectangle: Rounded Corners 6">
+            <a:extLst>
+              <a:ext uri="{FF2B5EF4-FFF2-40B4-BE49-F238E27FC236}">
+                <a16:creationId xmlns:a16="http://schemas.microsoft.com/office/drawing/2014/main" id="{2BA686F0-C156-1912-396C-5F6C17504BBC}"/>
+              </a:ext>
+            </a:extLst>
+          </p:cNvPr>
+          <p:cNvSpPr/>
+          <p:nvPr/>
+        </p:nvSpPr>
+        <p:spPr>
+          <a:xfrm>
+            <a:off x="1353312" y="2304288"/>
+            <a:ext cx="1179576" cy="676656"/>
+          </a:xfrm>
+          <a:prstGeom prst="roundRect">
+            <a:avLst/>
+          </a:prstGeom>
+        </p:spPr>
+        <p:style>
+          <a:lnRef idx="2">
+            <a:schemeClr val="accent1">
+              <a:shade val="50000"/>
+            </a:schemeClr>
+          </a:lnRef>
+          <a:fillRef idx="1">
+            <a:schemeClr val="accent1"/>
+          </a:fillRef>
+          <a:effectRef idx="0">
+            <a:schemeClr val="accent1"/>
+          </a:effectRef>
+          <a:fontRef idx="minor">
+            <a:schemeClr val="lt1"/>
+          </a:fontRef>
+        </p:style>
+        <p:txBody>
+          <a:bodyPr rtlCol="0" anchor="ctr"/>
+          <a:lstStyle/>
+          <a:p>
+            <a:pPr algn="ctr"/>
+            <a:r>
+              <a:rPr lang="en-IN" sz="2400" dirty="0"/>
+              <a:t>CPU</a:t>
+            </a:r>
+          </a:p>
+        </p:txBody>
+      </p:sp>
+      <p:sp>
+        <p:nvSpPr>
+          <p:cNvPr id="8" name="Arrow: Right 7">
+            <a:extLst>
+              <a:ext uri="{FF2B5EF4-FFF2-40B4-BE49-F238E27FC236}">
+                <a16:creationId xmlns:a16="http://schemas.microsoft.com/office/drawing/2014/main" id="{E5E3EDD6-A583-3F8B-4B97-C56D8BAB659A}"/>
+              </a:ext>
+            </a:extLst>
+          </p:cNvPr>
+          <p:cNvSpPr/>
+          <p:nvPr/>
+        </p:nvSpPr>
+        <p:spPr>
+          <a:xfrm>
+            <a:off x="2606040" y="2583180"/>
+            <a:ext cx="877824" cy="192024"/>
+          </a:xfrm>
+          <a:prstGeom prst="rightArrow">
+            <a:avLst/>
+          </a:prstGeom>
+        </p:spPr>
+        <p:style>
+          <a:lnRef idx="3">
+            <a:schemeClr val="lt1"/>
+          </a:lnRef>
+          <a:fillRef idx="1">
+            <a:schemeClr val="dk1"/>
+          </a:fillRef>
+          <a:effectRef idx="1">
+            <a:schemeClr val="dk1"/>
+          </a:effectRef>
+          <a:fontRef idx="minor">
+            <a:schemeClr val="lt1"/>
+          </a:fontRef>
+        </p:style>
+        <p:txBody>
+          <a:bodyPr rtlCol="0" anchor="ctr"/>
+          <a:lstStyle/>
+          <a:p>
+            <a:pPr algn="ctr"/>
+            <a:endParaRPr lang="en-IN" sz="2400" dirty="0"/>
+          </a:p>
+        </p:txBody>
+      </p:sp>
+      <p:sp>
+        <p:nvSpPr>
+          <p:cNvPr id="9" name="Rectangle 8">
+            <a:extLst>
+              <a:ext uri="{FF2B5EF4-FFF2-40B4-BE49-F238E27FC236}">
+                <a16:creationId xmlns:a16="http://schemas.microsoft.com/office/drawing/2014/main" id="{C9685EBF-1296-3498-77B7-78161532073C}"/>
+              </a:ext>
+            </a:extLst>
+          </p:cNvPr>
+          <p:cNvSpPr/>
+          <p:nvPr/>
+        </p:nvSpPr>
+        <p:spPr>
+          <a:xfrm>
+            <a:off x="3602736" y="2304288"/>
+            <a:ext cx="1563624" cy="822960"/>
+          </a:xfrm>
+          <a:prstGeom prst="rect">
+            <a:avLst/>
+          </a:prstGeom>
+          <a:noFill/>
+        </p:spPr>
+        <p:style>
+          <a:lnRef idx="2">
+            <a:schemeClr val="accent1">
+              <a:shade val="50000"/>
+            </a:schemeClr>
+          </a:lnRef>
+          <a:fillRef idx="1">
+            <a:schemeClr val="accent1"/>
+          </a:fillRef>
+          <a:effectRef idx="0">
+            <a:schemeClr val="accent1"/>
+          </a:effectRef>
+          <a:fontRef idx="minor">
+            <a:schemeClr val="lt1"/>
+          </a:fontRef>
+        </p:style>
+        <p:txBody>
+          <a:bodyPr rtlCol="0" anchor="ctr"/>
+          <a:lstStyle/>
+          <a:p>
+            <a:pPr algn="ctr"/>
+            <a:endParaRPr lang="en-IN" sz="2400" dirty="0"/>
+          </a:p>
+        </p:txBody>
+      </p:sp>
+      <p:sp>
+        <p:nvSpPr>
+          <p:cNvPr id="10" name="Rectangle 9">
+            <a:extLst>
+              <a:ext uri="{FF2B5EF4-FFF2-40B4-BE49-F238E27FC236}">
+                <a16:creationId xmlns:a16="http://schemas.microsoft.com/office/drawing/2014/main" id="{7ABF8EC8-4861-D8E7-9255-FDBFE9BCB76A}"/>
+              </a:ext>
+            </a:extLst>
+          </p:cNvPr>
+          <p:cNvSpPr/>
+          <p:nvPr/>
+        </p:nvSpPr>
+        <p:spPr>
+          <a:xfrm>
+            <a:off x="3602736" y="2583180"/>
+            <a:ext cx="740664" cy="297180"/>
+          </a:xfrm>
+          <a:prstGeom prst="rect">
+            <a:avLst/>
+          </a:prstGeom>
+        </p:spPr>
+        <p:style>
+          <a:lnRef idx="1">
+            <a:schemeClr val="accent4"/>
+          </a:lnRef>
+          <a:fillRef idx="2">
+            <a:schemeClr val="accent4"/>
+          </a:fillRef>
+          <a:effectRef idx="1">
+            <a:schemeClr val="accent4"/>
+          </a:effectRef>
+          <a:fontRef idx="minor">
+            <a:schemeClr val="dk1"/>
+          </a:fontRef>
+        </p:style>
+        <p:txBody>
+          <a:bodyPr rtlCol="0" anchor="ctr"/>
+          <a:lstStyle/>
+          <a:p>
+            <a:pPr algn="ctr"/>
+            <a:r>
+              <a:rPr lang="en-IN" sz="2400" dirty="0"/>
+              <a:t>GVA</a:t>
+            </a:r>
+          </a:p>
+        </p:txBody>
+      </p:sp>
+      <p:sp>
+        <p:nvSpPr>
+          <p:cNvPr id="11" name="Rectangle 10">
+            <a:extLst>
+              <a:ext uri="{FF2B5EF4-FFF2-40B4-BE49-F238E27FC236}">
+                <a16:creationId xmlns:a16="http://schemas.microsoft.com/office/drawing/2014/main" id="{30234EB7-AA41-3284-7A78-5D1A26829F81}"/>
+              </a:ext>
+            </a:extLst>
+          </p:cNvPr>
+          <p:cNvSpPr/>
+          <p:nvPr/>
+        </p:nvSpPr>
+        <p:spPr>
+          <a:xfrm>
+            <a:off x="4343400" y="2583180"/>
+            <a:ext cx="822960" cy="297180"/>
+          </a:xfrm>
+          <a:prstGeom prst="rect">
+            <a:avLst/>
+          </a:prstGeom>
+        </p:spPr>
+        <p:style>
+          <a:lnRef idx="1">
+            <a:schemeClr val="accent4"/>
+          </a:lnRef>
+          <a:fillRef idx="2">
+            <a:schemeClr val="accent4"/>
+          </a:fillRef>
+          <a:effectRef idx="1">
+            <a:schemeClr val="accent4"/>
+          </a:effectRef>
+          <a:fontRef idx="minor">
+            <a:schemeClr val="dk1"/>
+          </a:fontRef>
+        </p:style>
+        <p:txBody>
+          <a:bodyPr rtlCol="0" anchor="ctr"/>
+          <a:lstStyle/>
+          <a:p>
+            <a:pPr algn="ctr"/>
+            <a:r>
+              <a:rPr lang="en-IN" sz="2400" dirty="0"/>
+              <a:t>HPA</a:t>
+            </a:r>
+          </a:p>
+        </p:txBody>
+      </p:sp>
+      <p:pic>
+        <p:nvPicPr>
+          <p:cNvPr id="12" name="Picture 11" descr="Icon&#10;&#10;Description automatically generated">
+            <a:extLst>
+              <a:ext uri="{FF2B5EF4-FFF2-40B4-BE49-F238E27FC236}">
+                <a16:creationId xmlns:a16="http://schemas.microsoft.com/office/drawing/2014/main" id="{63727A84-CC51-E698-58CF-A23E0BC30C74}"/>
+              </a:ext>
+            </a:extLst>
+          </p:cNvPr>
+          <p:cNvPicPr>
+            <a:picLocks noChangeAspect="1"/>
+          </p:cNvPicPr>
+          <p:nvPr/>
+        </p:nvPicPr>
+        <p:blipFill>
+          <a:blip r:embed="rId2" cstate="print">
+            <a:extLst>
+              <a:ext uri="{28A0092B-C50C-407E-A947-70E740481C1C}">
+                <a14:useLocalDpi xmlns:a14="http://schemas.microsoft.com/office/drawing/2010/main" val="0"/>
+              </a:ext>
+            </a:extLst>
+          </a:blip>
+          <a:stretch>
+            <a:fillRect/>
+          </a:stretch>
+        </p:blipFill>
+        <p:spPr>
+          <a:xfrm>
+            <a:off x="5572633" y="2304288"/>
+            <a:ext cx="334391" cy="334391"/>
+          </a:xfrm>
+          <a:prstGeom prst="rect">
+            <a:avLst/>
+          </a:prstGeom>
+        </p:spPr>
+      </p:pic>
+      <p:cxnSp>
+        <p:nvCxnSpPr>
+          <p:cNvPr id="14" name="Straight Arrow Connector 13">
+            <a:extLst>
+              <a:ext uri="{FF2B5EF4-FFF2-40B4-BE49-F238E27FC236}">
+                <a16:creationId xmlns:a16="http://schemas.microsoft.com/office/drawing/2014/main" id="{6C90A174-935F-C83D-C4B5-DE4718817DB6}"/>
+              </a:ext>
+            </a:extLst>
+          </p:cNvPr>
+          <p:cNvCxnSpPr/>
+          <p:nvPr/>
+        </p:nvCxnSpPr>
+        <p:spPr>
+          <a:xfrm>
+            <a:off x="5266944" y="2731770"/>
+            <a:ext cx="1088136" cy="0"/>
+          </a:xfrm>
+          <a:prstGeom prst="straightConnector1">
+            <a:avLst/>
+          </a:prstGeom>
+          <a:ln w="28575">
+            <a:tailEnd type="triangle"/>
+          </a:ln>
+        </p:spPr>
+        <p:style>
+          <a:lnRef idx="1">
+            <a:schemeClr val="accent1"/>
+          </a:lnRef>
+          <a:fillRef idx="0">
+            <a:schemeClr val="accent1"/>
+          </a:fillRef>
+          <a:effectRef idx="0">
+            <a:schemeClr val="accent1"/>
+          </a:effectRef>
+          <a:fontRef idx="minor">
+            <a:schemeClr val="tx1"/>
+          </a:fontRef>
+        </p:style>
+      </p:cxnSp>
+      <p:sp>
+        <p:nvSpPr>
+          <p:cNvPr id="15" name="TextBox 14">
+            <a:extLst>
+              <a:ext uri="{FF2B5EF4-FFF2-40B4-BE49-F238E27FC236}">
+                <a16:creationId xmlns:a16="http://schemas.microsoft.com/office/drawing/2014/main" id="{EF8E676A-690D-DDC0-530F-8C8B81C4C4EC}"/>
+              </a:ext>
+            </a:extLst>
+          </p:cNvPr>
+          <p:cNvSpPr txBox="1"/>
+          <p:nvPr/>
+        </p:nvSpPr>
+        <p:spPr>
+          <a:xfrm>
+            <a:off x="5413248" y="2693543"/>
+            <a:ext cx="660758" cy="400110"/>
+          </a:xfrm>
+          <a:prstGeom prst="rect">
+            <a:avLst/>
+          </a:prstGeom>
+          <a:noFill/>
+        </p:spPr>
+        <p:txBody>
+          <a:bodyPr wrap="none" rtlCol="0">
+            <a:spAutoFit/>
+          </a:bodyPr>
+          <a:lstStyle/>
+          <a:p>
+            <a:r>
+              <a:rPr lang="en-IN" sz="2000" b="1" dirty="0"/>
+              <a:t>miss</a:t>
+            </a:r>
+            <a:endParaRPr lang="en-IN" b="1" dirty="0"/>
+          </a:p>
+        </p:txBody>
+      </p:sp>
+      <p:sp>
+        <p:nvSpPr>
+          <p:cNvPr id="16" name="Rectangle 15">
+            <a:extLst>
+              <a:ext uri="{FF2B5EF4-FFF2-40B4-BE49-F238E27FC236}">
+                <a16:creationId xmlns:a16="http://schemas.microsoft.com/office/drawing/2014/main" id="{BE8CE3C6-6B74-C66D-E51A-30EAB1C8B6DC}"/>
+              </a:ext>
+            </a:extLst>
+          </p:cNvPr>
+          <p:cNvSpPr/>
+          <p:nvPr/>
+        </p:nvSpPr>
+        <p:spPr>
+          <a:xfrm>
+            <a:off x="6480810" y="2533216"/>
+            <a:ext cx="2327148" cy="400109"/>
+          </a:xfrm>
+          <a:prstGeom prst="rect">
+            <a:avLst/>
+          </a:prstGeom>
+        </p:spPr>
+        <p:style>
+          <a:lnRef idx="2">
+            <a:schemeClr val="accent1">
+              <a:shade val="50000"/>
+            </a:schemeClr>
+          </a:lnRef>
+          <a:fillRef idx="1">
+            <a:schemeClr val="accent1"/>
+          </a:fillRef>
+          <a:effectRef idx="0">
+            <a:schemeClr val="accent1"/>
+          </a:effectRef>
+          <a:fontRef idx="minor">
+            <a:schemeClr val="lt1"/>
+          </a:fontRef>
+        </p:style>
+        <p:txBody>
+          <a:bodyPr rtlCol="0" anchor="ctr"/>
+          <a:lstStyle/>
+          <a:p>
+            <a:pPr algn="ctr"/>
+            <a:r>
+              <a:rPr lang="en-IN" sz="2400" dirty="0"/>
+              <a:t>Handle TLB miss</a:t>
+            </a:r>
+          </a:p>
+        </p:txBody>
+      </p:sp>
+      <p:sp>
+        <p:nvSpPr>
+          <p:cNvPr id="17" name="Oval 16">
+            <a:extLst>
+              <a:ext uri="{FF2B5EF4-FFF2-40B4-BE49-F238E27FC236}">
+                <a16:creationId xmlns:a16="http://schemas.microsoft.com/office/drawing/2014/main" id="{3E5051C9-736A-7744-4154-10318F1FA36C}"/>
+              </a:ext>
+            </a:extLst>
+          </p:cNvPr>
+          <p:cNvSpPr/>
+          <p:nvPr/>
+        </p:nvSpPr>
+        <p:spPr>
+          <a:xfrm>
+            <a:off x="7451611" y="2192989"/>
+            <a:ext cx="399288" cy="334391"/>
+          </a:xfrm>
+          <a:prstGeom prst="ellipse">
+            <a:avLst/>
+          </a:prstGeom>
+        </p:spPr>
+        <p:style>
+          <a:lnRef idx="1">
+            <a:schemeClr val="accent6"/>
+          </a:lnRef>
+          <a:fillRef idx="2">
+            <a:schemeClr val="accent6"/>
+          </a:fillRef>
+          <a:effectRef idx="1">
+            <a:schemeClr val="accent6"/>
+          </a:effectRef>
+          <a:fontRef idx="minor">
+            <a:schemeClr val="dk1"/>
+          </a:fontRef>
+        </p:style>
+        <p:txBody>
+          <a:bodyPr rtlCol="0" anchor="ctr"/>
+          <a:lstStyle/>
+          <a:p>
+            <a:pPr algn="ctr"/>
+            <a:r>
+              <a:rPr lang="en-IN" sz="2400" dirty="0"/>
+              <a:t>1</a:t>
+            </a:r>
+          </a:p>
+        </p:txBody>
+      </p:sp>
+      <p:sp>
+        <p:nvSpPr>
+          <p:cNvPr id="18" name="TextBox 17">
+            <a:extLst>
+              <a:ext uri="{FF2B5EF4-FFF2-40B4-BE49-F238E27FC236}">
+                <a16:creationId xmlns:a16="http://schemas.microsoft.com/office/drawing/2014/main" id="{1C6AE9BB-F3B2-C0AB-284A-B7F6BBD3E084}"/>
+              </a:ext>
+            </a:extLst>
+          </p:cNvPr>
+          <p:cNvSpPr txBox="1"/>
+          <p:nvPr/>
+        </p:nvSpPr>
+        <p:spPr>
+          <a:xfrm>
+            <a:off x="4106266" y="1969580"/>
+            <a:ext cx="556563" cy="400110"/>
+          </a:xfrm>
+          <a:prstGeom prst="rect">
+            <a:avLst/>
+          </a:prstGeom>
+          <a:noFill/>
+        </p:spPr>
+        <p:txBody>
+          <a:bodyPr wrap="none" rtlCol="0">
+            <a:spAutoFit/>
+          </a:bodyPr>
+          <a:lstStyle/>
+          <a:p>
+            <a:r>
+              <a:rPr lang="en-IN" sz="2000" dirty="0"/>
+              <a:t>TLB</a:t>
+            </a:r>
+            <a:endParaRPr lang="en-IN" dirty="0"/>
+          </a:p>
+        </p:txBody>
+      </p:sp>
+      <p:cxnSp>
+        <p:nvCxnSpPr>
+          <p:cNvPr id="20" name="Straight Connector 19">
+            <a:extLst>
+              <a:ext uri="{FF2B5EF4-FFF2-40B4-BE49-F238E27FC236}">
+                <a16:creationId xmlns:a16="http://schemas.microsoft.com/office/drawing/2014/main" id="{423174AD-FF60-D0B6-6584-E80B4F04FC9F}"/>
+              </a:ext>
+            </a:extLst>
+          </p:cNvPr>
+          <p:cNvCxnSpPr/>
+          <p:nvPr/>
+        </p:nvCxnSpPr>
+        <p:spPr>
+          <a:xfrm>
+            <a:off x="1353312" y="3273552"/>
+            <a:ext cx="7936992" cy="0"/>
+          </a:xfrm>
+          <a:prstGeom prst="line">
+            <a:avLst/>
+          </a:prstGeom>
+          <a:ln/>
+        </p:spPr>
+        <p:style>
+          <a:lnRef idx="3">
+            <a:schemeClr val="dk1"/>
+          </a:lnRef>
+          <a:fillRef idx="0">
+            <a:schemeClr val="dk1"/>
+          </a:fillRef>
+          <a:effectRef idx="2">
+            <a:schemeClr val="dk1"/>
+          </a:effectRef>
+          <a:fontRef idx="minor">
+            <a:schemeClr val="tx1"/>
+          </a:fontRef>
+        </p:style>
+      </p:cxnSp>
+      <p:sp>
+        <p:nvSpPr>
+          <p:cNvPr id="21" name="Rectangle 20">
+            <a:extLst>
+              <a:ext uri="{FF2B5EF4-FFF2-40B4-BE49-F238E27FC236}">
+                <a16:creationId xmlns:a16="http://schemas.microsoft.com/office/drawing/2014/main" id="{B501CB72-1D2F-DFAF-1C22-60268C9797C9}"/>
+              </a:ext>
+            </a:extLst>
+          </p:cNvPr>
+          <p:cNvSpPr/>
+          <p:nvPr/>
+        </p:nvSpPr>
+        <p:spPr>
+          <a:xfrm>
+            <a:off x="1801368" y="3831336"/>
+            <a:ext cx="1179576" cy="1325563"/>
+          </a:xfrm>
+          <a:prstGeom prst="rect">
+            <a:avLst/>
+          </a:prstGeom>
+        </p:spPr>
+        <p:style>
+          <a:lnRef idx="2">
+            <a:schemeClr val="accent5"/>
+          </a:lnRef>
+          <a:fillRef idx="1">
+            <a:schemeClr val="lt1"/>
+          </a:fillRef>
+          <a:effectRef idx="0">
+            <a:schemeClr val="accent5"/>
+          </a:effectRef>
+          <a:fontRef idx="minor">
+            <a:schemeClr val="dk1"/>
+          </a:fontRef>
+        </p:style>
+        <p:txBody>
+          <a:bodyPr rtlCol="0" anchor="ctr"/>
+          <a:lstStyle/>
+          <a:p>
+            <a:pPr algn="ctr"/>
+            <a:r>
+              <a:rPr lang="en-IN" sz="2400" dirty="0"/>
+              <a:t>Guest page table</a:t>
+            </a:r>
+          </a:p>
+        </p:txBody>
+      </p:sp>
+      <p:sp>
+        <p:nvSpPr>
+          <p:cNvPr id="23" name="TextBox 22">
+            <a:extLst>
+              <a:ext uri="{FF2B5EF4-FFF2-40B4-BE49-F238E27FC236}">
+                <a16:creationId xmlns:a16="http://schemas.microsoft.com/office/drawing/2014/main" id="{F3CF31DB-1373-D053-C110-C1C30C65F9CB}"/>
+              </a:ext>
+            </a:extLst>
+          </p:cNvPr>
+          <p:cNvSpPr txBox="1"/>
+          <p:nvPr/>
+        </p:nvSpPr>
+        <p:spPr>
+          <a:xfrm>
+            <a:off x="1142389" y="4106150"/>
+            <a:ext cx="628185" cy="400110"/>
+          </a:xfrm>
+          <a:prstGeom prst="rect">
+            <a:avLst/>
+          </a:prstGeom>
+          <a:noFill/>
+        </p:spPr>
+        <p:txBody>
+          <a:bodyPr wrap="none" rtlCol="0">
+            <a:spAutoFit/>
+          </a:bodyPr>
+          <a:lstStyle/>
+          <a:p>
+            <a:r>
+              <a:rPr lang="en-IN" sz="2000" dirty="0"/>
+              <a:t>GVA</a:t>
+            </a:r>
+            <a:endParaRPr lang="en-IN" dirty="0"/>
+          </a:p>
+        </p:txBody>
+      </p:sp>
+      <p:sp>
+        <p:nvSpPr>
+          <p:cNvPr id="24" name="TextBox 23">
+            <a:extLst>
+              <a:ext uri="{FF2B5EF4-FFF2-40B4-BE49-F238E27FC236}">
+                <a16:creationId xmlns:a16="http://schemas.microsoft.com/office/drawing/2014/main" id="{5FD7A2B6-8002-E1D2-781D-B870D35D2F4D}"/>
+              </a:ext>
+            </a:extLst>
+          </p:cNvPr>
+          <p:cNvSpPr txBox="1"/>
+          <p:nvPr/>
+        </p:nvSpPr>
+        <p:spPr>
+          <a:xfrm>
+            <a:off x="3178973" y="4131380"/>
+            <a:ext cx="609782" cy="400110"/>
+          </a:xfrm>
+          <a:prstGeom prst="rect">
+            <a:avLst/>
+          </a:prstGeom>
+          <a:noFill/>
+        </p:spPr>
+        <p:txBody>
+          <a:bodyPr wrap="none" rtlCol="0">
+            <a:spAutoFit/>
+          </a:bodyPr>
+          <a:lstStyle/>
+          <a:p>
+            <a:r>
+              <a:rPr lang="en-IN" sz="2000" dirty="0"/>
+              <a:t>GPA</a:t>
+            </a:r>
+            <a:endParaRPr lang="en-IN" dirty="0"/>
+          </a:p>
+        </p:txBody>
+      </p:sp>
+      <p:cxnSp>
+        <p:nvCxnSpPr>
+          <p:cNvPr id="26" name="Straight Arrow Connector 25">
+            <a:extLst>
+              <a:ext uri="{FF2B5EF4-FFF2-40B4-BE49-F238E27FC236}">
+                <a16:creationId xmlns:a16="http://schemas.microsoft.com/office/drawing/2014/main" id="{55AFDBE2-CD3E-0882-9900-CA07EA7B5EE0}"/>
+              </a:ext>
+            </a:extLst>
+          </p:cNvPr>
+          <p:cNvCxnSpPr>
+            <a:cxnSpLocks/>
+          </p:cNvCxnSpPr>
+          <p:nvPr/>
+        </p:nvCxnSpPr>
+        <p:spPr>
+          <a:xfrm>
+            <a:off x="1142389" y="4494117"/>
+            <a:ext cx="658979" cy="0"/>
+          </a:xfrm>
+          <a:prstGeom prst="straightConnector1">
+            <a:avLst/>
+          </a:prstGeom>
+          <a:ln w="28575">
+            <a:tailEnd type="triangle"/>
+          </a:ln>
+        </p:spPr>
+        <p:style>
+          <a:lnRef idx="1">
+            <a:schemeClr val="accent1"/>
+          </a:lnRef>
+          <a:fillRef idx="0">
+            <a:schemeClr val="accent1"/>
+          </a:fillRef>
+          <a:effectRef idx="0">
+            <a:schemeClr val="accent1"/>
+          </a:effectRef>
+          <a:fontRef idx="minor">
+            <a:schemeClr val="tx1"/>
+          </a:fontRef>
+        </p:style>
+      </p:cxnSp>
+      <p:cxnSp>
+        <p:nvCxnSpPr>
+          <p:cNvPr id="28" name="Straight Arrow Connector 27">
+            <a:extLst>
+              <a:ext uri="{FF2B5EF4-FFF2-40B4-BE49-F238E27FC236}">
+                <a16:creationId xmlns:a16="http://schemas.microsoft.com/office/drawing/2014/main" id="{9A828CEA-A76F-EAEB-6BD7-384AAFACB064}"/>
+              </a:ext>
+            </a:extLst>
+          </p:cNvPr>
+          <p:cNvCxnSpPr>
+            <a:cxnSpLocks/>
+          </p:cNvCxnSpPr>
+          <p:nvPr/>
+        </p:nvCxnSpPr>
+        <p:spPr>
+          <a:xfrm>
+            <a:off x="2980944" y="4506260"/>
+            <a:ext cx="992124" cy="0"/>
+          </a:xfrm>
+          <a:prstGeom prst="straightConnector1">
+            <a:avLst/>
+          </a:prstGeom>
+          <a:ln w="28575">
+            <a:tailEnd type="triangle"/>
+          </a:ln>
+        </p:spPr>
+        <p:style>
+          <a:lnRef idx="1">
+            <a:schemeClr val="accent1"/>
+          </a:lnRef>
+          <a:fillRef idx="0">
+            <a:schemeClr val="accent1"/>
+          </a:fillRef>
+          <a:effectRef idx="0">
+            <a:schemeClr val="accent1"/>
+          </a:effectRef>
+          <a:fontRef idx="minor">
+            <a:schemeClr val="tx1"/>
+          </a:fontRef>
+        </p:style>
+      </p:cxnSp>
+      <p:sp>
+        <p:nvSpPr>
+          <p:cNvPr id="30" name="Oval 29">
+            <a:extLst>
+              <a:ext uri="{FF2B5EF4-FFF2-40B4-BE49-F238E27FC236}">
+                <a16:creationId xmlns:a16="http://schemas.microsoft.com/office/drawing/2014/main" id="{84C9ACFA-ED40-7B8E-807B-10AB1ACC93DF}"/>
+              </a:ext>
+            </a:extLst>
+          </p:cNvPr>
+          <p:cNvSpPr/>
+          <p:nvPr/>
+        </p:nvSpPr>
+        <p:spPr>
+          <a:xfrm>
+            <a:off x="2206752" y="3496945"/>
+            <a:ext cx="399288" cy="334391"/>
+          </a:xfrm>
+          <a:prstGeom prst="ellipse">
+            <a:avLst/>
+          </a:prstGeom>
+        </p:spPr>
+        <p:style>
+          <a:lnRef idx="1">
+            <a:schemeClr val="accent6"/>
+          </a:lnRef>
+          <a:fillRef idx="2">
+            <a:schemeClr val="accent6"/>
+          </a:fillRef>
+          <a:effectRef idx="1">
+            <a:schemeClr val="accent6"/>
+          </a:effectRef>
+          <a:fontRef idx="minor">
+            <a:schemeClr val="dk1"/>
+          </a:fontRef>
+        </p:style>
+        <p:txBody>
+          <a:bodyPr rtlCol="0" anchor="ctr"/>
+          <a:lstStyle/>
+          <a:p>
+            <a:pPr algn="ctr"/>
+            <a:r>
+              <a:rPr lang="en-IN" sz="2400" dirty="0"/>
+              <a:t>2</a:t>
+            </a:r>
+          </a:p>
+        </p:txBody>
+      </p:sp>
+      <p:sp>
+        <p:nvSpPr>
+          <p:cNvPr id="31" name="Rectangle 30">
+            <a:extLst>
+              <a:ext uri="{FF2B5EF4-FFF2-40B4-BE49-F238E27FC236}">
+                <a16:creationId xmlns:a16="http://schemas.microsoft.com/office/drawing/2014/main" id="{75C005E8-4268-1434-BBF0-ADC0EBF54B3F}"/>
+              </a:ext>
+            </a:extLst>
+          </p:cNvPr>
+          <p:cNvSpPr/>
+          <p:nvPr/>
+        </p:nvSpPr>
+        <p:spPr>
+          <a:xfrm>
+            <a:off x="6074006" y="3831335"/>
+            <a:ext cx="1179576" cy="1325563"/>
+          </a:xfrm>
+          <a:prstGeom prst="rect">
+            <a:avLst/>
+          </a:prstGeom>
+        </p:spPr>
+        <p:style>
+          <a:lnRef idx="2">
+            <a:schemeClr val="accent5"/>
+          </a:lnRef>
+          <a:fillRef idx="1">
+            <a:schemeClr val="lt1"/>
+          </a:fillRef>
+          <a:effectRef idx="0">
+            <a:schemeClr val="accent5"/>
+          </a:effectRef>
+          <a:fontRef idx="minor">
+            <a:schemeClr val="dk1"/>
+          </a:fontRef>
+        </p:style>
+        <p:txBody>
+          <a:bodyPr rtlCol="0" anchor="ctr"/>
+          <a:lstStyle/>
+          <a:p>
+            <a:pPr algn="ctr"/>
+            <a:r>
+              <a:rPr lang="en-IN" sz="2400" dirty="0"/>
+              <a:t>Nested page table</a:t>
+            </a:r>
+          </a:p>
+        </p:txBody>
+      </p:sp>
+      <p:sp>
+        <p:nvSpPr>
+          <p:cNvPr id="32" name="TextBox 31">
+            <a:extLst>
+              <a:ext uri="{FF2B5EF4-FFF2-40B4-BE49-F238E27FC236}">
+                <a16:creationId xmlns:a16="http://schemas.microsoft.com/office/drawing/2014/main" id="{E0704D4F-B22C-9C0F-F9A6-404FCB5D8C81}"/>
+              </a:ext>
+            </a:extLst>
+          </p:cNvPr>
+          <p:cNvSpPr txBox="1"/>
+          <p:nvPr/>
+        </p:nvSpPr>
+        <p:spPr>
+          <a:xfrm>
+            <a:off x="5415027" y="4106149"/>
+            <a:ext cx="628185" cy="400110"/>
+          </a:xfrm>
+          <a:prstGeom prst="rect">
+            <a:avLst/>
+          </a:prstGeom>
+          <a:noFill/>
+        </p:spPr>
+        <p:txBody>
+          <a:bodyPr wrap="none" rtlCol="0">
+            <a:spAutoFit/>
+          </a:bodyPr>
+          <a:lstStyle/>
+          <a:p>
+            <a:r>
+              <a:rPr lang="en-IN" sz="2000" dirty="0"/>
+              <a:t>GPA</a:t>
+            </a:r>
+            <a:endParaRPr lang="en-IN" dirty="0"/>
+          </a:p>
+        </p:txBody>
+      </p:sp>
+      <p:sp>
+        <p:nvSpPr>
+          <p:cNvPr id="33" name="TextBox 32">
+            <a:extLst>
+              <a:ext uri="{FF2B5EF4-FFF2-40B4-BE49-F238E27FC236}">
+                <a16:creationId xmlns:a16="http://schemas.microsoft.com/office/drawing/2014/main" id="{40020308-BB92-5D63-9488-E8221EBE653C}"/>
+              </a:ext>
+            </a:extLst>
+          </p:cNvPr>
+          <p:cNvSpPr txBox="1"/>
+          <p:nvPr/>
+        </p:nvSpPr>
+        <p:spPr>
+          <a:xfrm>
+            <a:off x="7451611" y="4131379"/>
+            <a:ext cx="609782" cy="400110"/>
+          </a:xfrm>
+          <a:prstGeom prst="rect">
+            <a:avLst/>
+          </a:prstGeom>
+          <a:noFill/>
+        </p:spPr>
+        <p:txBody>
+          <a:bodyPr wrap="none" rtlCol="0">
+            <a:spAutoFit/>
+          </a:bodyPr>
+          <a:lstStyle/>
+          <a:p>
+            <a:r>
+              <a:rPr lang="en-IN" sz="2000" dirty="0"/>
+              <a:t>HPA</a:t>
+            </a:r>
+            <a:endParaRPr lang="en-IN" dirty="0"/>
+          </a:p>
+        </p:txBody>
+      </p:sp>
+      <p:cxnSp>
+        <p:nvCxnSpPr>
+          <p:cNvPr id="34" name="Straight Arrow Connector 33">
+            <a:extLst>
+              <a:ext uri="{FF2B5EF4-FFF2-40B4-BE49-F238E27FC236}">
+                <a16:creationId xmlns:a16="http://schemas.microsoft.com/office/drawing/2014/main" id="{E4F632AB-333A-D83A-3926-30731BCDB1A5}"/>
+              </a:ext>
+            </a:extLst>
+          </p:cNvPr>
+          <p:cNvCxnSpPr>
+            <a:cxnSpLocks/>
+          </p:cNvCxnSpPr>
+          <p:nvPr/>
+        </p:nvCxnSpPr>
+        <p:spPr>
+          <a:xfrm>
+            <a:off x="5415027" y="4494116"/>
+            <a:ext cx="658979" cy="0"/>
+          </a:xfrm>
+          <a:prstGeom prst="straightConnector1">
+            <a:avLst/>
+          </a:prstGeom>
+          <a:ln w="28575">
+            <a:tailEnd type="triangle"/>
+          </a:ln>
+        </p:spPr>
+        <p:style>
+          <a:lnRef idx="1">
+            <a:schemeClr val="accent1"/>
+          </a:lnRef>
+          <a:fillRef idx="0">
+            <a:schemeClr val="accent1"/>
+          </a:fillRef>
+          <a:effectRef idx="0">
+            <a:schemeClr val="accent1"/>
+          </a:effectRef>
+          <a:fontRef idx="minor">
+            <a:schemeClr val="tx1"/>
+          </a:fontRef>
+        </p:style>
+      </p:cxnSp>
+      <p:cxnSp>
+        <p:nvCxnSpPr>
+          <p:cNvPr id="35" name="Straight Arrow Connector 34">
+            <a:extLst>
+              <a:ext uri="{FF2B5EF4-FFF2-40B4-BE49-F238E27FC236}">
+                <a16:creationId xmlns:a16="http://schemas.microsoft.com/office/drawing/2014/main" id="{9759CA8E-BCDE-D7C2-756C-B2BC7DC98999}"/>
+              </a:ext>
+            </a:extLst>
+          </p:cNvPr>
+          <p:cNvCxnSpPr>
+            <a:cxnSpLocks/>
+          </p:cNvCxnSpPr>
+          <p:nvPr/>
+        </p:nvCxnSpPr>
+        <p:spPr>
+          <a:xfrm>
+            <a:off x="7253582" y="4506259"/>
+            <a:ext cx="992124" cy="0"/>
+          </a:xfrm>
+          <a:prstGeom prst="straightConnector1">
+            <a:avLst/>
+          </a:prstGeom>
+          <a:ln w="28575">
+            <a:tailEnd type="triangle"/>
+          </a:ln>
+        </p:spPr>
+        <p:style>
+          <a:lnRef idx="1">
+            <a:schemeClr val="accent1"/>
+          </a:lnRef>
+          <a:fillRef idx="0">
+            <a:schemeClr val="accent1"/>
+          </a:fillRef>
+          <a:effectRef idx="0">
+            <a:schemeClr val="accent1"/>
+          </a:effectRef>
+          <a:fontRef idx="minor">
+            <a:schemeClr val="tx1"/>
+          </a:fontRef>
+        </p:style>
+      </p:cxnSp>
+      <p:sp>
+        <p:nvSpPr>
+          <p:cNvPr id="36" name="Oval 35">
+            <a:extLst>
+              <a:ext uri="{FF2B5EF4-FFF2-40B4-BE49-F238E27FC236}">
+                <a16:creationId xmlns:a16="http://schemas.microsoft.com/office/drawing/2014/main" id="{C66517F0-36BB-7349-811F-7681009F709C}"/>
+              </a:ext>
+            </a:extLst>
+          </p:cNvPr>
+          <p:cNvSpPr/>
+          <p:nvPr/>
+        </p:nvSpPr>
+        <p:spPr>
+          <a:xfrm>
+            <a:off x="6479390" y="3496944"/>
+            <a:ext cx="399288" cy="334391"/>
+          </a:xfrm>
+          <a:prstGeom prst="ellipse">
+            <a:avLst/>
+          </a:prstGeom>
+        </p:spPr>
+        <p:style>
+          <a:lnRef idx="1">
+            <a:schemeClr val="accent6"/>
+          </a:lnRef>
+          <a:fillRef idx="2">
+            <a:schemeClr val="accent6"/>
+          </a:fillRef>
+          <a:effectRef idx="1">
+            <a:schemeClr val="accent6"/>
+          </a:effectRef>
+          <a:fontRef idx="minor">
+            <a:schemeClr val="dk1"/>
+          </a:fontRef>
+        </p:style>
+        <p:txBody>
+          <a:bodyPr rtlCol="0" anchor="ctr"/>
+          <a:lstStyle/>
+          <a:p>
+            <a:pPr algn="ctr"/>
+            <a:r>
+              <a:rPr lang="en-IN" sz="2400" dirty="0"/>
+              <a:t>3</a:t>
+            </a:r>
+          </a:p>
+        </p:txBody>
+      </p:sp>
+      <p:sp>
+        <p:nvSpPr>
+          <p:cNvPr id="37" name="Cloud 36">
+            <a:extLst>
+              <a:ext uri="{FF2B5EF4-FFF2-40B4-BE49-F238E27FC236}">
+                <a16:creationId xmlns:a16="http://schemas.microsoft.com/office/drawing/2014/main" id="{02D73C64-5236-B361-26FA-80B1EC36D65C}"/>
+              </a:ext>
+            </a:extLst>
+          </p:cNvPr>
+          <p:cNvSpPr/>
+          <p:nvPr/>
+        </p:nvSpPr>
+        <p:spPr>
+          <a:xfrm>
+            <a:off x="4086619" y="4172272"/>
+            <a:ext cx="1106076" cy="718434"/>
+          </a:xfrm>
+          <a:prstGeom prst="cloud">
+            <a:avLst/>
+          </a:prstGeom>
+          <a:solidFill>
+            <a:schemeClr val="accent5">
+              <a:lumMod val="40000"/>
+              <a:lumOff val="60000"/>
+            </a:schemeClr>
+          </a:solidFill>
+        </p:spPr>
+        <p:style>
+          <a:lnRef idx="2">
+            <a:schemeClr val="accent1">
+              <a:shade val="50000"/>
+            </a:schemeClr>
+          </a:lnRef>
+          <a:fillRef idx="1">
+            <a:schemeClr val="accent1"/>
+          </a:fillRef>
+          <a:effectRef idx="0">
+            <a:schemeClr val="accent1"/>
+          </a:effectRef>
+          <a:fontRef idx="minor">
+            <a:schemeClr val="lt1"/>
+          </a:fontRef>
+        </p:style>
+        <p:txBody>
+          <a:bodyPr rtlCol="0" anchor="ctr"/>
+          <a:lstStyle/>
+          <a:p>
+            <a:pPr algn="ctr"/>
+            <a:r>
+              <a:rPr lang="en-IN" sz="2400" dirty="0">
+                <a:solidFill>
+                  <a:srgbClr val="000000"/>
+                </a:solidFill>
+              </a:rPr>
+              <a:t>Trap</a:t>
+            </a:r>
+          </a:p>
+        </p:txBody>
+      </p:sp>
+      <p:sp>
+        <p:nvSpPr>
+          <p:cNvPr id="39" name="Left Brace 38">
+            <a:extLst>
+              <a:ext uri="{FF2B5EF4-FFF2-40B4-BE49-F238E27FC236}">
+                <a16:creationId xmlns:a16="http://schemas.microsoft.com/office/drawing/2014/main" id="{9EC7A440-353C-7E6C-6135-A118AFDCA936}"/>
+              </a:ext>
+            </a:extLst>
+          </p:cNvPr>
+          <p:cNvSpPr/>
+          <p:nvPr/>
+        </p:nvSpPr>
+        <p:spPr>
+          <a:xfrm rot="16200000">
+            <a:off x="2399353" y="3912508"/>
+            <a:ext cx="267070" cy="2854882"/>
+          </a:xfrm>
+          <a:prstGeom prst="leftBrace">
+            <a:avLst/>
+          </a:prstGeom>
+          <a:ln w="38100"/>
+        </p:spPr>
+        <p:style>
+          <a:lnRef idx="1">
+            <a:schemeClr val="accent1"/>
+          </a:lnRef>
+          <a:fillRef idx="0">
+            <a:schemeClr val="accent1"/>
+          </a:fillRef>
+          <a:effectRef idx="0">
+            <a:schemeClr val="accent1"/>
+          </a:effectRef>
+          <a:fontRef idx="minor">
+            <a:schemeClr val="tx1"/>
+          </a:fontRef>
+        </p:style>
+        <p:txBody>
+          <a:bodyPr rtlCol="0" anchor="ctr"/>
+          <a:lstStyle/>
+          <a:p>
+            <a:pPr algn="ctr"/>
+            <a:endParaRPr lang="en-IN"/>
+          </a:p>
+        </p:txBody>
+      </p:sp>
+      <p:sp>
+        <p:nvSpPr>
+          <p:cNvPr id="46" name="Left Brace 45">
+            <a:extLst>
+              <a:ext uri="{FF2B5EF4-FFF2-40B4-BE49-F238E27FC236}">
+                <a16:creationId xmlns:a16="http://schemas.microsoft.com/office/drawing/2014/main" id="{1FC3830C-DB76-2DEC-0ED1-7128C77704CE}"/>
+              </a:ext>
+            </a:extLst>
+          </p:cNvPr>
+          <p:cNvSpPr/>
+          <p:nvPr/>
+        </p:nvSpPr>
+        <p:spPr>
+          <a:xfrm rot="16200000">
+            <a:off x="7619932" y="2976212"/>
+            <a:ext cx="267070" cy="4725286"/>
+          </a:xfrm>
+          <a:prstGeom prst="leftBrace">
+            <a:avLst/>
+          </a:prstGeom>
+          <a:ln w="38100"/>
+        </p:spPr>
+        <p:style>
+          <a:lnRef idx="1">
+            <a:schemeClr val="accent1"/>
+          </a:lnRef>
+          <a:fillRef idx="0">
+            <a:schemeClr val="accent1"/>
+          </a:fillRef>
+          <a:effectRef idx="0">
+            <a:schemeClr val="accent1"/>
+          </a:effectRef>
+          <a:fontRef idx="minor">
+            <a:schemeClr val="tx1"/>
+          </a:fontRef>
+        </p:style>
+        <p:txBody>
+          <a:bodyPr rtlCol="0" anchor="ctr"/>
+          <a:lstStyle/>
+          <a:p>
+            <a:pPr algn="ctr"/>
+            <a:endParaRPr lang="en-IN"/>
+          </a:p>
+        </p:txBody>
+      </p:sp>
+      <p:sp>
+        <p:nvSpPr>
+          <p:cNvPr id="47" name="Rectangle: Rounded Corners 46">
+            <a:extLst>
+              <a:ext uri="{FF2B5EF4-FFF2-40B4-BE49-F238E27FC236}">
+                <a16:creationId xmlns:a16="http://schemas.microsoft.com/office/drawing/2014/main" id="{9874B8A2-F8FB-A817-8CE1-9F4F4CD3D83B}"/>
+              </a:ext>
+            </a:extLst>
+          </p:cNvPr>
+          <p:cNvSpPr/>
+          <p:nvPr/>
+        </p:nvSpPr>
+        <p:spPr>
+          <a:xfrm>
+            <a:off x="1914950" y="5552529"/>
+            <a:ext cx="1235873" cy="372878"/>
+          </a:xfrm>
+          <a:prstGeom prst="roundRect">
+            <a:avLst/>
+          </a:prstGeom>
+        </p:spPr>
+        <p:style>
+          <a:lnRef idx="2">
+            <a:schemeClr val="accent1">
+              <a:shade val="50000"/>
+            </a:schemeClr>
+          </a:lnRef>
+          <a:fillRef idx="1">
+            <a:schemeClr val="accent1"/>
+          </a:fillRef>
+          <a:effectRef idx="0">
+            <a:schemeClr val="accent1"/>
+          </a:effectRef>
+          <a:fontRef idx="minor">
+            <a:schemeClr val="lt1"/>
+          </a:fontRef>
+        </p:style>
+        <p:txBody>
+          <a:bodyPr rtlCol="0" anchor="ctr"/>
+          <a:lstStyle/>
+          <a:p>
+            <a:pPr algn="ctr"/>
+            <a:r>
+              <a:rPr lang="en-IN" sz="2400" dirty="0"/>
+              <a:t>Guest</a:t>
+            </a:r>
+          </a:p>
+        </p:txBody>
+      </p:sp>
+      <p:sp>
+        <p:nvSpPr>
+          <p:cNvPr id="48" name="Rectangle: Rounded Corners 47">
+            <a:extLst>
+              <a:ext uri="{FF2B5EF4-FFF2-40B4-BE49-F238E27FC236}">
+                <a16:creationId xmlns:a16="http://schemas.microsoft.com/office/drawing/2014/main" id="{C9C5EDB9-33FF-27CB-6D97-59DFD37F843B}"/>
+              </a:ext>
+            </a:extLst>
+          </p:cNvPr>
+          <p:cNvSpPr/>
+          <p:nvPr/>
+        </p:nvSpPr>
+        <p:spPr>
+          <a:xfrm>
+            <a:off x="7138565" y="5577756"/>
+            <a:ext cx="1235873" cy="372878"/>
+          </a:xfrm>
+          <a:prstGeom prst="roundRect">
+            <a:avLst/>
+          </a:prstGeom>
+        </p:spPr>
+        <p:style>
+          <a:lnRef idx="2">
+            <a:schemeClr val="accent1">
+              <a:shade val="50000"/>
+            </a:schemeClr>
+          </a:lnRef>
+          <a:fillRef idx="1">
+            <a:schemeClr val="accent1"/>
+          </a:fillRef>
+          <a:effectRef idx="0">
+            <a:schemeClr val="accent1"/>
+          </a:effectRef>
+          <a:fontRef idx="minor">
+            <a:schemeClr val="lt1"/>
+          </a:fontRef>
+        </p:style>
+        <p:txBody>
+          <a:bodyPr rtlCol="0" anchor="ctr"/>
+          <a:lstStyle/>
+          <a:p>
+            <a:pPr algn="ctr"/>
+            <a:r>
+              <a:rPr lang="en-IN" sz="2400" dirty="0"/>
+              <a:t>Host</a:t>
+            </a:r>
+          </a:p>
+        </p:txBody>
+      </p:sp>
+      <p:sp>
+        <p:nvSpPr>
+          <p:cNvPr id="49" name="Oval 48">
+            <a:extLst>
+              <a:ext uri="{FF2B5EF4-FFF2-40B4-BE49-F238E27FC236}">
+                <a16:creationId xmlns:a16="http://schemas.microsoft.com/office/drawing/2014/main" id="{0104FD5C-1171-54ED-8D62-693F70C8D08B}"/>
+              </a:ext>
+            </a:extLst>
+          </p:cNvPr>
+          <p:cNvSpPr/>
+          <p:nvPr/>
+        </p:nvSpPr>
+        <p:spPr>
+          <a:xfrm>
+            <a:off x="9173822" y="3499549"/>
+            <a:ext cx="399288" cy="334391"/>
+          </a:xfrm>
+          <a:prstGeom prst="ellipse">
+            <a:avLst/>
+          </a:prstGeom>
+        </p:spPr>
+        <p:style>
+          <a:lnRef idx="1">
+            <a:schemeClr val="accent6"/>
+          </a:lnRef>
+          <a:fillRef idx="2">
+            <a:schemeClr val="accent6"/>
+          </a:fillRef>
+          <a:effectRef idx="1">
+            <a:schemeClr val="accent6"/>
+          </a:effectRef>
+          <a:fontRef idx="minor">
+            <a:schemeClr val="dk1"/>
+          </a:fontRef>
+        </p:style>
+        <p:txBody>
+          <a:bodyPr rtlCol="0" anchor="ctr"/>
+          <a:lstStyle/>
+          <a:p>
+            <a:pPr algn="ctr"/>
+            <a:r>
+              <a:rPr lang="en-IN" sz="2400" dirty="0"/>
+              <a:t>4</a:t>
+            </a:r>
+          </a:p>
+        </p:txBody>
+      </p:sp>
+      <p:sp>
+        <p:nvSpPr>
+          <p:cNvPr id="50" name="Rectangle 49">
+            <a:extLst>
+              <a:ext uri="{FF2B5EF4-FFF2-40B4-BE49-F238E27FC236}">
+                <a16:creationId xmlns:a16="http://schemas.microsoft.com/office/drawing/2014/main" id="{264A6143-24D2-B903-DBF9-276A6B3DE251}"/>
+              </a:ext>
+            </a:extLst>
+          </p:cNvPr>
+          <p:cNvSpPr/>
+          <p:nvPr/>
+        </p:nvSpPr>
+        <p:spPr>
+          <a:xfrm>
+            <a:off x="8734453" y="3926058"/>
+            <a:ext cx="1381657" cy="747191"/>
+          </a:xfrm>
+          <a:prstGeom prst="rect">
+            <a:avLst/>
+          </a:prstGeom>
+        </p:spPr>
+        <p:style>
+          <a:lnRef idx="2">
+            <a:schemeClr val="accent1">
+              <a:shade val="50000"/>
+            </a:schemeClr>
+          </a:lnRef>
+          <a:fillRef idx="1">
+            <a:schemeClr val="accent1"/>
+          </a:fillRef>
+          <a:effectRef idx="0">
+            <a:schemeClr val="accent1"/>
+          </a:effectRef>
+          <a:fontRef idx="minor">
+            <a:schemeClr val="lt1"/>
+          </a:fontRef>
+        </p:style>
+        <p:txBody>
+          <a:bodyPr rtlCol="0" anchor="ctr"/>
+          <a:lstStyle/>
+          <a:p>
+            <a:pPr algn="ctr"/>
+            <a:r>
+              <a:rPr lang="en-IN" sz="2400" dirty="0"/>
+              <a:t>Populate TLB</a:t>
+            </a:r>
+          </a:p>
+        </p:txBody>
+      </p:sp>
+    </p:spTree>
+    <p:extLst>
+      <p:ext uri="{BB962C8B-B14F-4D97-AF65-F5344CB8AC3E}">
+        <p14:creationId xmlns:p14="http://schemas.microsoft.com/office/powerpoint/2010/main" val="203852290"/>
+      </p:ext>
+    </p:extLst>
+  </p:cSld>
+  <p:clrMapOvr>
+    <a:masterClrMapping/>
+  </p:clrMapOvr>
+</p:sld>
+</file>
+
+<file path=ppt/slides/slide11.xml><?xml version="1.0" encoding="utf-8"?>
+<p:sld xmlns:a="http://schemas.openxmlformats.org/drawingml/2006/main" xmlns:r="http://schemas.openxmlformats.org/officeDocument/2006/relationships" xmlns:p="http://schemas.openxmlformats.org/presentationml/2006/main">
+  <p:cSld>
+    <p:spTree>
+      <p:nvGrpSpPr>
+        <p:cNvPr id="1" name=""/>
+        <p:cNvGrpSpPr/>
+        <p:nvPr/>
+      </p:nvGrpSpPr>
+      <p:grpSpPr>
+        <a:xfrm>
+          <a:off x="0" y="0"/>
+          <a:ext cx="0" cy="0"/>
+          <a:chOff x="0" y="0"/>
+          <a:chExt cx="0" cy="0"/>
+        </a:xfrm>
+      </p:grpSpPr>
+      <p:sp>
+        <p:nvSpPr>
+          <p:cNvPr id="2" name="Title 1">
+            <a:extLst>
+              <a:ext uri="{FF2B5EF4-FFF2-40B4-BE49-F238E27FC236}">
+                <a16:creationId xmlns:a16="http://schemas.microsoft.com/office/drawing/2014/main" id="{866D7D1C-5217-947D-A077-79B6D5B58397}"/>
+              </a:ext>
+            </a:extLst>
+          </p:cNvPr>
+          <p:cNvSpPr>
+            <a:spLocks noGrp="1"/>
+          </p:cNvSpPr>
+          <p:nvPr>
+            <p:ph type="title"/>
+          </p:nvPr>
+        </p:nvSpPr>
+        <p:spPr>
+          <a:xfrm>
+            <a:off x="28299" y="8440"/>
+            <a:ext cx="10515600" cy="1325563"/>
+          </a:xfrm>
+        </p:spPr>
+        <p:txBody>
+          <a:bodyPr/>
+          <a:lstStyle/>
+          <a:p>
+            <a:r>
+              <a:rPr lang="en-IN" dirty="0"/>
+              <a:t>Shadow Paging</a:t>
+            </a:r>
+          </a:p>
+        </p:txBody>
+      </p:sp>
+      <p:sp>
+        <p:nvSpPr>
+          <p:cNvPr id="4" name="Footer Placeholder 3">
+            <a:extLst>
+              <a:ext uri="{FF2B5EF4-FFF2-40B4-BE49-F238E27FC236}">
+                <a16:creationId xmlns:a16="http://schemas.microsoft.com/office/drawing/2014/main" id="{06CC53A7-A702-63DD-051B-6C057F608AB5}"/>
+              </a:ext>
+            </a:extLst>
+          </p:cNvPr>
+          <p:cNvSpPr>
+            <a:spLocks noGrp="1"/>
+          </p:cNvSpPr>
+          <p:nvPr>
+            <p:ph type="ftr" sz="quarter" idx="11"/>
+          </p:nvPr>
+        </p:nvSpPr>
+        <p:spPr/>
+        <p:txBody>
+          <a:bodyPr/>
+          <a:lstStyle/>
+          <a:p>
+            <a:r>
+              <a:rPr lang="it-IT"/>
+              <a:t>(c) Smruti R. Sarangi, 2023</a:t>
+            </a:r>
+            <a:endParaRPr lang="en-US"/>
+          </a:p>
+        </p:txBody>
+      </p:sp>
+      <p:sp>
+        <p:nvSpPr>
+          <p:cNvPr id="5" name="Slide Number Placeholder 4">
+            <a:extLst>
+              <a:ext uri="{FF2B5EF4-FFF2-40B4-BE49-F238E27FC236}">
+                <a16:creationId xmlns:a16="http://schemas.microsoft.com/office/drawing/2014/main" id="{C76FD008-2AC5-275F-93F7-576FE6B8E915}"/>
+              </a:ext>
+            </a:extLst>
+          </p:cNvPr>
+          <p:cNvSpPr>
+            <a:spLocks noGrp="1"/>
+          </p:cNvSpPr>
+          <p:nvPr>
+            <p:ph type="sldNum" sz="quarter" idx="12"/>
+          </p:nvPr>
+        </p:nvSpPr>
+        <p:spPr/>
+        <p:txBody>
+          <a:bodyPr/>
+          <a:lstStyle/>
+          <a:p>
+            <a:fld id="{330EA680-D336-4FF7-8B7A-9848BB0A1C32}" type="slidenum">
+              <a:rPr lang="en-US" smtClean="0"/>
+              <a:t>11</a:t>
+            </a:fld>
+            <a:endParaRPr lang="en-US"/>
+          </a:p>
+        </p:txBody>
+      </p:sp>
+      <p:sp>
+        <p:nvSpPr>
+          <p:cNvPr id="6" name="Rectangle: Rounded Corners 5">
+            <a:extLst>
+              <a:ext uri="{FF2B5EF4-FFF2-40B4-BE49-F238E27FC236}">
+                <a16:creationId xmlns:a16="http://schemas.microsoft.com/office/drawing/2014/main" id="{3DDA92AF-AD7F-36D5-272D-74ED4503F859}"/>
+              </a:ext>
+            </a:extLst>
+          </p:cNvPr>
+          <p:cNvSpPr/>
+          <p:nvPr/>
+        </p:nvSpPr>
+        <p:spPr>
+          <a:xfrm>
+            <a:off x="3907536" y="1263132"/>
+            <a:ext cx="2828544" cy="540448"/>
+          </a:xfrm>
+          <a:prstGeom prst="roundRect">
+            <a:avLst/>
+          </a:prstGeom>
+        </p:spPr>
+        <p:style>
+          <a:lnRef idx="2">
+            <a:schemeClr val="accent5"/>
+          </a:lnRef>
+          <a:fillRef idx="1">
+            <a:schemeClr val="lt1"/>
+          </a:fillRef>
+          <a:effectRef idx="0">
+            <a:schemeClr val="accent5"/>
+          </a:effectRef>
+          <a:fontRef idx="minor">
+            <a:schemeClr val="dk1"/>
+          </a:fontRef>
+        </p:style>
+        <p:txBody>
+          <a:bodyPr rtlCol="0" anchor="ctr"/>
+          <a:lstStyle/>
+          <a:p>
+            <a:pPr algn="ctr"/>
+            <a:r>
+              <a:rPr lang="en-IN" sz="2400" dirty="0"/>
+              <a:t>GVA </a:t>
+            </a:r>
+            <a:r>
+              <a:rPr lang="en-IN" sz="2400" dirty="0">
+                <a:sym typeface="Wingdings" panose="05000000000000000000" pitchFamily="2" charset="2"/>
+              </a:rPr>
+              <a:t> HPA</a:t>
+            </a:r>
+            <a:endParaRPr lang="en-IN" sz="2400" dirty="0"/>
+          </a:p>
+        </p:txBody>
+      </p:sp>
+      <p:sp>
+        <p:nvSpPr>
+          <p:cNvPr id="7" name="Rectangle: Rounded Corners 6">
+            <a:extLst>
+              <a:ext uri="{FF2B5EF4-FFF2-40B4-BE49-F238E27FC236}">
+                <a16:creationId xmlns:a16="http://schemas.microsoft.com/office/drawing/2014/main" id="{EBE5F1AC-EC42-222A-071A-53A8E1225275}"/>
+              </a:ext>
+            </a:extLst>
+          </p:cNvPr>
+          <p:cNvSpPr/>
+          <p:nvPr/>
+        </p:nvSpPr>
+        <p:spPr>
+          <a:xfrm>
+            <a:off x="1353312" y="2304288"/>
+            <a:ext cx="1179576" cy="676656"/>
+          </a:xfrm>
+          <a:prstGeom prst="roundRect">
+            <a:avLst/>
+          </a:prstGeom>
+        </p:spPr>
+        <p:style>
+          <a:lnRef idx="2">
+            <a:schemeClr val="accent1">
+              <a:shade val="50000"/>
+            </a:schemeClr>
+          </a:lnRef>
+          <a:fillRef idx="1">
+            <a:schemeClr val="accent1"/>
+          </a:fillRef>
+          <a:effectRef idx="0">
+            <a:schemeClr val="accent1"/>
+          </a:effectRef>
+          <a:fontRef idx="minor">
+            <a:schemeClr val="lt1"/>
+          </a:fontRef>
+        </p:style>
+        <p:txBody>
+          <a:bodyPr rtlCol="0" anchor="ctr"/>
+          <a:lstStyle/>
+          <a:p>
+            <a:pPr algn="ctr"/>
+            <a:r>
+              <a:rPr lang="en-IN" sz="2400" dirty="0"/>
+              <a:t>CPU</a:t>
+            </a:r>
+          </a:p>
+        </p:txBody>
+      </p:sp>
+      <p:sp>
+        <p:nvSpPr>
+          <p:cNvPr id="8" name="Arrow: Right 7">
+            <a:extLst>
+              <a:ext uri="{FF2B5EF4-FFF2-40B4-BE49-F238E27FC236}">
+                <a16:creationId xmlns:a16="http://schemas.microsoft.com/office/drawing/2014/main" id="{CBF5ED4F-9696-FE29-9AC3-A7ED286B1C98}"/>
+              </a:ext>
+            </a:extLst>
+          </p:cNvPr>
+          <p:cNvSpPr/>
+          <p:nvPr/>
+        </p:nvSpPr>
+        <p:spPr>
+          <a:xfrm>
+            <a:off x="2606040" y="2583180"/>
+            <a:ext cx="877824" cy="192024"/>
+          </a:xfrm>
+          <a:prstGeom prst="rightArrow">
+            <a:avLst/>
+          </a:prstGeom>
+        </p:spPr>
+        <p:style>
+          <a:lnRef idx="3">
+            <a:schemeClr val="lt1"/>
+          </a:lnRef>
+          <a:fillRef idx="1">
+            <a:schemeClr val="dk1"/>
+          </a:fillRef>
+          <a:effectRef idx="1">
+            <a:schemeClr val="dk1"/>
+          </a:effectRef>
+          <a:fontRef idx="minor">
+            <a:schemeClr val="lt1"/>
+          </a:fontRef>
+        </p:style>
+        <p:txBody>
+          <a:bodyPr rtlCol="0" anchor="ctr"/>
+          <a:lstStyle/>
+          <a:p>
+            <a:pPr algn="ctr"/>
+            <a:endParaRPr lang="en-IN" sz="2400" dirty="0"/>
+          </a:p>
+        </p:txBody>
+      </p:sp>
+      <p:sp>
+        <p:nvSpPr>
+          <p:cNvPr id="9" name="Rectangle 8">
+            <a:extLst>
+              <a:ext uri="{FF2B5EF4-FFF2-40B4-BE49-F238E27FC236}">
+                <a16:creationId xmlns:a16="http://schemas.microsoft.com/office/drawing/2014/main" id="{B5C9756C-C592-8F88-B6B1-6EFDBD67BC32}"/>
+              </a:ext>
+            </a:extLst>
+          </p:cNvPr>
+          <p:cNvSpPr/>
+          <p:nvPr/>
+        </p:nvSpPr>
+        <p:spPr>
+          <a:xfrm>
+            <a:off x="3602736" y="2304288"/>
+            <a:ext cx="1563624" cy="822960"/>
+          </a:xfrm>
+          <a:prstGeom prst="rect">
+            <a:avLst/>
+          </a:prstGeom>
+          <a:noFill/>
+        </p:spPr>
+        <p:style>
+          <a:lnRef idx="2">
+            <a:schemeClr val="accent1">
+              <a:shade val="50000"/>
+            </a:schemeClr>
+          </a:lnRef>
+          <a:fillRef idx="1">
+            <a:schemeClr val="accent1"/>
+          </a:fillRef>
+          <a:effectRef idx="0">
+            <a:schemeClr val="accent1"/>
+          </a:effectRef>
+          <a:fontRef idx="minor">
+            <a:schemeClr val="lt1"/>
+          </a:fontRef>
+        </p:style>
+        <p:txBody>
+          <a:bodyPr rtlCol="0" anchor="ctr"/>
+          <a:lstStyle/>
+          <a:p>
+            <a:pPr algn="ctr"/>
+            <a:endParaRPr lang="en-IN" sz="2400" dirty="0"/>
+          </a:p>
+        </p:txBody>
+      </p:sp>
+      <p:sp>
+        <p:nvSpPr>
+          <p:cNvPr id="10" name="Rectangle 9">
+            <a:extLst>
+              <a:ext uri="{FF2B5EF4-FFF2-40B4-BE49-F238E27FC236}">
+                <a16:creationId xmlns:a16="http://schemas.microsoft.com/office/drawing/2014/main" id="{E1D10F33-528F-78E4-3435-1D10D6212045}"/>
+              </a:ext>
+            </a:extLst>
+          </p:cNvPr>
+          <p:cNvSpPr/>
+          <p:nvPr/>
+        </p:nvSpPr>
+        <p:spPr>
+          <a:xfrm>
+            <a:off x="3602736" y="2583180"/>
+            <a:ext cx="740664" cy="297180"/>
+          </a:xfrm>
+          <a:prstGeom prst="rect">
+            <a:avLst/>
+          </a:prstGeom>
+        </p:spPr>
+        <p:style>
+          <a:lnRef idx="1">
+            <a:schemeClr val="accent4"/>
+          </a:lnRef>
+          <a:fillRef idx="2">
+            <a:schemeClr val="accent4"/>
+          </a:fillRef>
+          <a:effectRef idx="1">
+            <a:schemeClr val="accent4"/>
+          </a:effectRef>
+          <a:fontRef idx="minor">
+            <a:schemeClr val="dk1"/>
+          </a:fontRef>
+        </p:style>
+        <p:txBody>
+          <a:bodyPr rtlCol="0" anchor="ctr"/>
+          <a:lstStyle/>
+          <a:p>
+            <a:pPr algn="ctr"/>
+            <a:r>
+              <a:rPr lang="en-IN" sz="2400" dirty="0"/>
+              <a:t>GVA</a:t>
+            </a:r>
+          </a:p>
+        </p:txBody>
+      </p:sp>
+      <p:sp>
+        <p:nvSpPr>
+          <p:cNvPr id="11" name="Rectangle 10">
+            <a:extLst>
+              <a:ext uri="{FF2B5EF4-FFF2-40B4-BE49-F238E27FC236}">
+                <a16:creationId xmlns:a16="http://schemas.microsoft.com/office/drawing/2014/main" id="{DCE18502-D225-1640-518B-BE822645EDB0}"/>
+              </a:ext>
+            </a:extLst>
+          </p:cNvPr>
+          <p:cNvSpPr/>
+          <p:nvPr/>
+        </p:nvSpPr>
+        <p:spPr>
+          <a:xfrm>
+            <a:off x="4343400" y="2583180"/>
+            <a:ext cx="822960" cy="297180"/>
+          </a:xfrm>
+          <a:prstGeom prst="rect">
+            <a:avLst/>
+          </a:prstGeom>
+        </p:spPr>
+        <p:style>
+          <a:lnRef idx="1">
+            <a:schemeClr val="accent4"/>
+          </a:lnRef>
+          <a:fillRef idx="2">
+            <a:schemeClr val="accent4"/>
+          </a:fillRef>
+          <a:effectRef idx="1">
+            <a:schemeClr val="accent4"/>
+          </a:effectRef>
+          <a:fontRef idx="minor">
+            <a:schemeClr val="dk1"/>
+          </a:fontRef>
+        </p:style>
+        <p:txBody>
+          <a:bodyPr rtlCol="0" anchor="ctr"/>
+          <a:lstStyle/>
+          <a:p>
+            <a:pPr algn="ctr"/>
+            <a:r>
+              <a:rPr lang="en-IN" sz="2400" dirty="0"/>
+              <a:t>HPA</a:t>
+            </a:r>
+          </a:p>
+        </p:txBody>
+      </p:sp>
+      <p:pic>
+        <p:nvPicPr>
+          <p:cNvPr id="12" name="Picture 11" descr="Icon&#10;&#10;Description automatically generated">
+            <a:extLst>
+              <a:ext uri="{FF2B5EF4-FFF2-40B4-BE49-F238E27FC236}">
+                <a16:creationId xmlns:a16="http://schemas.microsoft.com/office/drawing/2014/main" id="{146A1035-EA94-EE7F-6B3E-491985475A1F}"/>
+              </a:ext>
+            </a:extLst>
+          </p:cNvPr>
+          <p:cNvPicPr>
+            <a:picLocks noChangeAspect="1"/>
+          </p:cNvPicPr>
+          <p:nvPr/>
+        </p:nvPicPr>
+        <p:blipFill>
+          <a:blip r:embed="rId2" cstate="print">
+            <a:extLst>
+              <a:ext uri="{28A0092B-C50C-407E-A947-70E740481C1C}">
+                <a14:useLocalDpi xmlns:a14="http://schemas.microsoft.com/office/drawing/2010/main" val="0"/>
+              </a:ext>
+            </a:extLst>
+          </a:blip>
+          <a:stretch>
+            <a:fillRect/>
+          </a:stretch>
+        </p:blipFill>
+        <p:spPr>
+          <a:xfrm>
+            <a:off x="5572633" y="2304288"/>
+            <a:ext cx="334391" cy="334391"/>
+          </a:xfrm>
+          <a:prstGeom prst="rect">
+            <a:avLst/>
+          </a:prstGeom>
+        </p:spPr>
+      </p:pic>
+      <p:cxnSp>
+        <p:nvCxnSpPr>
+          <p:cNvPr id="13" name="Straight Arrow Connector 12">
+            <a:extLst>
+              <a:ext uri="{FF2B5EF4-FFF2-40B4-BE49-F238E27FC236}">
+                <a16:creationId xmlns:a16="http://schemas.microsoft.com/office/drawing/2014/main" id="{97CC1E31-E08F-1E8B-ACB9-3A2DDFFDFDAB}"/>
+              </a:ext>
+            </a:extLst>
+          </p:cNvPr>
+          <p:cNvCxnSpPr/>
+          <p:nvPr/>
+        </p:nvCxnSpPr>
+        <p:spPr>
+          <a:xfrm>
+            <a:off x="5266944" y="2731770"/>
+            <a:ext cx="1088136" cy="0"/>
+          </a:xfrm>
+          <a:prstGeom prst="straightConnector1">
+            <a:avLst/>
+          </a:prstGeom>
+          <a:ln w="28575">
+            <a:tailEnd type="triangle"/>
+          </a:ln>
+        </p:spPr>
+        <p:style>
+          <a:lnRef idx="1">
+            <a:schemeClr val="accent1"/>
+          </a:lnRef>
+          <a:fillRef idx="0">
+            <a:schemeClr val="accent1"/>
+          </a:fillRef>
+          <a:effectRef idx="0">
+            <a:schemeClr val="accent1"/>
+          </a:effectRef>
+          <a:fontRef idx="minor">
+            <a:schemeClr val="tx1"/>
+          </a:fontRef>
+        </p:style>
+      </p:cxnSp>
+      <p:sp>
+        <p:nvSpPr>
+          <p:cNvPr id="14" name="TextBox 13">
+            <a:extLst>
+              <a:ext uri="{FF2B5EF4-FFF2-40B4-BE49-F238E27FC236}">
+                <a16:creationId xmlns:a16="http://schemas.microsoft.com/office/drawing/2014/main" id="{D344FE9E-5738-BD0D-90ED-142E8DF89497}"/>
+              </a:ext>
+            </a:extLst>
+          </p:cNvPr>
+          <p:cNvSpPr txBox="1"/>
+          <p:nvPr/>
+        </p:nvSpPr>
+        <p:spPr>
+          <a:xfrm>
+            <a:off x="5413248" y="2693543"/>
+            <a:ext cx="660758" cy="400110"/>
+          </a:xfrm>
+          <a:prstGeom prst="rect">
+            <a:avLst/>
+          </a:prstGeom>
+          <a:noFill/>
+        </p:spPr>
+        <p:txBody>
+          <a:bodyPr wrap="none" rtlCol="0">
+            <a:spAutoFit/>
+          </a:bodyPr>
+          <a:lstStyle/>
+          <a:p>
+            <a:r>
+              <a:rPr lang="en-IN" sz="2000" b="1" dirty="0"/>
+              <a:t>miss</a:t>
+            </a:r>
+            <a:endParaRPr lang="en-IN" b="1" dirty="0"/>
+          </a:p>
+        </p:txBody>
+      </p:sp>
+      <p:sp>
+        <p:nvSpPr>
+          <p:cNvPr id="15" name="Rectangle 14">
+            <a:extLst>
+              <a:ext uri="{FF2B5EF4-FFF2-40B4-BE49-F238E27FC236}">
+                <a16:creationId xmlns:a16="http://schemas.microsoft.com/office/drawing/2014/main" id="{D6833245-694A-28A5-6D66-337A1A2659FA}"/>
+              </a:ext>
+            </a:extLst>
+          </p:cNvPr>
+          <p:cNvSpPr/>
+          <p:nvPr/>
+        </p:nvSpPr>
+        <p:spPr>
+          <a:xfrm>
+            <a:off x="6480810" y="2533216"/>
+            <a:ext cx="2327148" cy="400109"/>
+          </a:xfrm>
+          <a:prstGeom prst="rect">
+            <a:avLst/>
+          </a:prstGeom>
+        </p:spPr>
+        <p:style>
+          <a:lnRef idx="2">
+            <a:schemeClr val="accent1">
+              <a:shade val="50000"/>
+            </a:schemeClr>
+          </a:lnRef>
+          <a:fillRef idx="1">
+            <a:schemeClr val="accent1"/>
+          </a:fillRef>
+          <a:effectRef idx="0">
+            <a:schemeClr val="accent1"/>
+          </a:effectRef>
+          <a:fontRef idx="minor">
+            <a:schemeClr val="lt1"/>
+          </a:fontRef>
+        </p:style>
+        <p:txBody>
+          <a:bodyPr rtlCol="0" anchor="ctr"/>
+          <a:lstStyle/>
+          <a:p>
+            <a:pPr algn="ctr"/>
+            <a:r>
+              <a:rPr lang="en-IN" sz="2400" dirty="0"/>
+              <a:t>Handle TLB miss</a:t>
+            </a:r>
+          </a:p>
+        </p:txBody>
+      </p:sp>
+      <p:sp>
+        <p:nvSpPr>
+          <p:cNvPr id="16" name="Oval 15">
+            <a:extLst>
+              <a:ext uri="{FF2B5EF4-FFF2-40B4-BE49-F238E27FC236}">
+                <a16:creationId xmlns:a16="http://schemas.microsoft.com/office/drawing/2014/main" id="{BC3DBE44-A6AA-BCCF-0657-8DCC9EDD3F4E}"/>
+              </a:ext>
+            </a:extLst>
+          </p:cNvPr>
+          <p:cNvSpPr/>
+          <p:nvPr/>
+        </p:nvSpPr>
+        <p:spPr>
+          <a:xfrm>
+            <a:off x="7444740" y="2179812"/>
+            <a:ext cx="399288" cy="334391"/>
+          </a:xfrm>
+          <a:prstGeom prst="ellipse">
+            <a:avLst/>
+          </a:prstGeom>
+        </p:spPr>
+        <p:style>
+          <a:lnRef idx="1">
+            <a:schemeClr val="accent6"/>
+          </a:lnRef>
+          <a:fillRef idx="2">
+            <a:schemeClr val="accent6"/>
+          </a:fillRef>
+          <a:effectRef idx="1">
+            <a:schemeClr val="accent6"/>
+          </a:effectRef>
+          <a:fontRef idx="minor">
+            <a:schemeClr val="dk1"/>
+          </a:fontRef>
+        </p:style>
+        <p:txBody>
+          <a:bodyPr rtlCol="0" anchor="ctr"/>
+          <a:lstStyle/>
+          <a:p>
+            <a:pPr algn="ctr"/>
+            <a:r>
+              <a:rPr lang="en-IN" sz="2400" dirty="0"/>
+              <a:t>1</a:t>
+            </a:r>
+          </a:p>
+        </p:txBody>
+      </p:sp>
+      <p:sp>
+        <p:nvSpPr>
+          <p:cNvPr id="17" name="TextBox 16">
+            <a:extLst>
+              <a:ext uri="{FF2B5EF4-FFF2-40B4-BE49-F238E27FC236}">
+                <a16:creationId xmlns:a16="http://schemas.microsoft.com/office/drawing/2014/main" id="{4F54DEF2-7A50-4BA0-423E-644C7B03F002}"/>
+              </a:ext>
+            </a:extLst>
+          </p:cNvPr>
+          <p:cNvSpPr txBox="1"/>
+          <p:nvPr/>
+        </p:nvSpPr>
+        <p:spPr>
+          <a:xfrm>
+            <a:off x="4106266" y="1969580"/>
+            <a:ext cx="556563" cy="400110"/>
+          </a:xfrm>
+          <a:prstGeom prst="rect">
+            <a:avLst/>
+          </a:prstGeom>
+          <a:noFill/>
+        </p:spPr>
+        <p:txBody>
+          <a:bodyPr wrap="none" rtlCol="0">
+            <a:spAutoFit/>
+          </a:bodyPr>
+          <a:lstStyle/>
+          <a:p>
+            <a:r>
+              <a:rPr lang="en-IN" sz="2000" dirty="0"/>
+              <a:t>TLB</a:t>
+            </a:r>
+            <a:endParaRPr lang="en-IN" dirty="0"/>
+          </a:p>
+        </p:txBody>
+      </p:sp>
+      <p:sp>
+        <p:nvSpPr>
+          <p:cNvPr id="24" name="Rectangle 23">
+            <a:extLst>
+              <a:ext uri="{FF2B5EF4-FFF2-40B4-BE49-F238E27FC236}">
+                <a16:creationId xmlns:a16="http://schemas.microsoft.com/office/drawing/2014/main" id="{3BA20EFD-2AA0-05FC-AC0C-CA132945DC8A}"/>
+              </a:ext>
+            </a:extLst>
+          </p:cNvPr>
+          <p:cNvSpPr/>
+          <p:nvPr/>
+        </p:nvSpPr>
+        <p:spPr>
+          <a:xfrm>
+            <a:off x="3603603" y="3821236"/>
+            <a:ext cx="1179576" cy="1325563"/>
+          </a:xfrm>
+          <a:prstGeom prst="rect">
+            <a:avLst/>
+          </a:prstGeom>
+        </p:spPr>
+        <p:style>
+          <a:lnRef idx="2">
+            <a:schemeClr val="accent5"/>
+          </a:lnRef>
+          <a:fillRef idx="1">
+            <a:schemeClr val="lt1"/>
+          </a:fillRef>
+          <a:effectRef idx="0">
+            <a:schemeClr val="accent5"/>
+          </a:effectRef>
+          <a:fontRef idx="minor">
+            <a:schemeClr val="dk1"/>
+          </a:fontRef>
+        </p:style>
+        <p:txBody>
+          <a:bodyPr rtlCol="0" anchor="ctr"/>
+          <a:lstStyle/>
+          <a:p>
+            <a:pPr algn="ctr"/>
+            <a:r>
+              <a:rPr lang="en-IN" sz="2400" dirty="0"/>
+              <a:t>Shadow page table</a:t>
+            </a:r>
+          </a:p>
+        </p:txBody>
+      </p:sp>
+      <p:sp>
+        <p:nvSpPr>
+          <p:cNvPr id="25" name="TextBox 24">
+            <a:extLst>
+              <a:ext uri="{FF2B5EF4-FFF2-40B4-BE49-F238E27FC236}">
+                <a16:creationId xmlns:a16="http://schemas.microsoft.com/office/drawing/2014/main" id="{0CA5416C-2845-9B37-F512-9C38EA462062}"/>
+              </a:ext>
+            </a:extLst>
+          </p:cNvPr>
+          <p:cNvSpPr txBox="1"/>
+          <p:nvPr/>
+        </p:nvSpPr>
+        <p:spPr>
+          <a:xfrm>
+            <a:off x="2944624" y="4096050"/>
+            <a:ext cx="628185" cy="400110"/>
+          </a:xfrm>
+          <a:prstGeom prst="rect">
+            <a:avLst/>
+          </a:prstGeom>
+          <a:noFill/>
+        </p:spPr>
+        <p:txBody>
+          <a:bodyPr wrap="none" rtlCol="0">
+            <a:spAutoFit/>
+          </a:bodyPr>
+          <a:lstStyle/>
+          <a:p>
+            <a:r>
+              <a:rPr lang="en-IN" sz="2000" dirty="0"/>
+              <a:t>GVA</a:t>
+            </a:r>
+            <a:endParaRPr lang="en-IN" dirty="0"/>
+          </a:p>
+        </p:txBody>
+      </p:sp>
+      <p:sp>
+        <p:nvSpPr>
+          <p:cNvPr id="26" name="TextBox 25">
+            <a:extLst>
+              <a:ext uri="{FF2B5EF4-FFF2-40B4-BE49-F238E27FC236}">
+                <a16:creationId xmlns:a16="http://schemas.microsoft.com/office/drawing/2014/main" id="{0FF913DD-096E-236F-8F21-C98DAF00253B}"/>
+              </a:ext>
+            </a:extLst>
+          </p:cNvPr>
+          <p:cNvSpPr txBox="1"/>
+          <p:nvPr/>
+        </p:nvSpPr>
+        <p:spPr>
+          <a:xfrm>
+            <a:off x="5200139" y="4118124"/>
+            <a:ext cx="609782" cy="400110"/>
+          </a:xfrm>
+          <a:prstGeom prst="rect">
+            <a:avLst/>
+          </a:prstGeom>
+          <a:noFill/>
+        </p:spPr>
+        <p:txBody>
+          <a:bodyPr wrap="none" rtlCol="0">
+            <a:spAutoFit/>
+          </a:bodyPr>
+          <a:lstStyle/>
+          <a:p>
+            <a:r>
+              <a:rPr lang="en-IN" sz="2000" dirty="0"/>
+              <a:t>HPA</a:t>
+            </a:r>
+            <a:endParaRPr lang="en-IN" dirty="0"/>
+          </a:p>
+        </p:txBody>
+      </p:sp>
+      <p:cxnSp>
+        <p:nvCxnSpPr>
+          <p:cNvPr id="27" name="Straight Arrow Connector 26">
+            <a:extLst>
+              <a:ext uri="{FF2B5EF4-FFF2-40B4-BE49-F238E27FC236}">
+                <a16:creationId xmlns:a16="http://schemas.microsoft.com/office/drawing/2014/main" id="{3CAAFB8B-93BC-332C-BB18-D0FEE6A08B2C}"/>
+              </a:ext>
+            </a:extLst>
+          </p:cNvPr>
+          <p:cNvCxnSpPr>
+            <a:cxnSpLocks/>
+          </p:cNvCxnSpPr>
+          <p:nvPr/>
+        </p:nvCxnSpPr>
+        <p:spPr>
+          <a:xfrm>
+            <a:off x="2944624" y="4484017"/>
+            <a:ext cx="658979" cy="0"/>
+          </a:xfrm>
+          <a:prstGeom prst="straightConnector1">
+            <a:avLst/>
+          </a:prstGeom>
+          <a:ln w="28575">
+            <a:tailEnd type="triangle"/>
+          </a:ln>
+        </p:spPr>
+        <p:style>
+          <a:lnRef idx="1">
+            <a:schemeClr val="accent1"/>
+          </a:lnRef>
+          <a:fillRef idx="0">
+            <a:schemeClr val="accent1"/>
+          </a:fillRef>
+          <a:effectRef idx="0">
+            <a:schemeClr val="accent1"/>
+          </a:effectRef>
+          <a:fontRef idx="minor">
+            <a:schemeClr val="tx1"/>
+          </a:fontRef>
+        </p:style>
+      </p:cxnSp>
+      <p:cxnSp>
+        <p:nvCxnSpPr>
+          <p:cNvPr id="28" name="Straight Arrow Connector 27">
+            <a:extLst>
+              <a:ext uri="{FF2B5EF4-FFF2-40B4-BE49-F238E27FC236}">
+                <a16:creationId xmlns:a16="http://schemas.microsoft.com/office/drawing/2014/main" id="{F6B10919-8848-8CAD-18FB-7E5699545558}"/>
+              </a:ext>
+            </a:extLst>
+          </p:cNvPr>
+          <p:cNvCxnSpPr>
+            <a:cxnSpLocks/>
+          </p:cNvCxnSpPr>
+          <p:nvPr/>
+        </p:nvCxnSpPr>
+        <p:spPr>
+          <a:xfrm>
+            <a:off x="4783179" y="4496160"/>
+            <a:ext cx="1312821" cy="0"/>
+          </a:xfrm>
+          <a:prstGeom prst="straightConnector1">
+            <a:avLst/>
+          </a:prstGeom>
+          <a:ln w="28575">
+            <a:tailEnd type="triangle"/>
+          </a:ln>
+        </p:spPr>
+        <p:style>
+          <a:lnRef idx="1">
+            <a:schemeClr val="accent1"/>
+          </a:lnRef>
+          <a:fillRef idx="0">
+            <a:schemeClr val="accent1"/>
+          </a:fillRef>
+          <a:effectRef idx="0">
+            <a:schemeClr val="accent1"/>
+          </a:effectRef>
+          <a:fontRef idx="minor">
+            <a:schemeClr val="tx1"/>
+          </a:fontRef>
+        </p:style>
+      </p:cxnSp>
+      <p:sp>
+        <p:nvSpPr>
+          <p:cNvPr id="29" name="Oval 28">
+            <a:extLst>
+              <a:ext uri="{FF2B5EF4-FFF2-40B4-BE49-F238E27FC236}">
+                <a16:creationId xmlns:a16="http://schemas.microsoft.com/office/drawing/2014/main" id="{24A3AB28-22C2-FAF6-C961-5AAB89C15883}"/>
+              </a:ext>
+            </a:extLst>
+          </p:cNvPr>
+          <p:cNvSpPr/>
+          <p:nvPr/>
+        </p:nvSpPr>
+        <p:spPr>
+          <a:xfrm>
+            <a:off x="4008987" y="3486845"/>
+            <a:ext cx="399288" cy="334391"/>
+          </a:xfrm>
+          <a:prstGeom prst="ellipse">
+            <a:avLst/>
+          </a:prstGeom>
+        </p:spPr>
+        <p:style>
+          <a:lnRef idx="1">
+            <a:schemeClr val="accent6"/>
+          </a:lnRef>
+          <a:fillRef idx="2">
+            <a:schemeClr val="accent6"/>
+          </a:fillRef>
+          <a:effectRef idx="1">
+            <a:schemeClr val="accent6"/>
+          </a:effectRef>
+          <a:fontRef idx="minor">
+            <a:schemeClr val="dk1"/>
+          </a:fontRef>
+        </p:style>
+        <p:txBody>
+          <a:bodyPr rtlCol="0" anchor="ctr"/>
+          <a:lstStyle/>
+          <a:p>
+            <a:pPr algn="ctr"/>
+            <a:r>
+              <a:rPr lang="en-IN" sz="2400" dirty="0"/>
+              <a:t>2</a:t>
+            </a:r>
+          </a:p>
+        </p:txBody>
+      </p:sp>
+      <p:sp>
+        <p:nvSpPr>
+          <p:cNvPr id="32" name="Left Brace 31">
+            <a:extLst>
+              <a:ext uri="{FF2B5EF4-FFF2-40B4-BE49-F238E27FC236}">
+                <a16:creationId xmlns:a16="http://schemas.microsoft.com/office/drawing/2014/main" id="{865DA8B1-60AA-D2A7-00BA-BC1C034BC6D3}"/>
+              </a:ext>
+            </a:extLst>
+          </p:cNvPr>
+          <p:cNvSpPr/>
+          <p:nvPr/>
+        </p:nvSpPr>
+        <p:spPr>
+          <a:xfrm rot="16200000">
+            <a:off x="5149529" y="2966113"/>
+            <a:ext cx="267070" cy="4725286"/>
+          </a:xfrm>
+          <a:prstGeom prst="leftBrace">
+            <a:avLst/>
+          </a:prstGeom>
+          <a:ln w="38100"/>
+        </p:spPr>
+        <p:style>
+          <a:lnRef idx="1">
+            <a:schemeClr val="accent1"/>
+          </a:lnRef>
+          <a:fillRef idx="0">
+            <a:schemeClr val="accent1"/>
+          </a:fillRef>
+          <a:effectRef idx="0">
+            <a:schemeClr val="accent1"/>
+          </a:effectRef>
+          <a:fontRef idx="minor">
+            <a:schemeClr val="tx1"/>
+          </a:fontRef>
+        </p:style>
+        <p:txBody>
+          <a:bodyPr rtlCol="0" anchor="ctr"/>
+          <a:lstStyle/>
+          <a:p>
+            <a:pPr algn="ctr"/>
+            <a:endParaRPr lang="en-IN"/>
+          </a:p>
+        </p:txBody>
+      </p:sp>
+      <p:sp>
+        <p:nvSpPr>
+          <p:cNvPr id="34" name="Rectangle: Rounded Corners 33">
+            <a:extLst>
+              <a:ext uri="{FF2B5EF4-FFF2-40B4-BE49-F238E27FC236}">
+                <a16:creationId xmlns:a16="http://schemas.microsoft.com/office/drawing/2014/main" id="{3714F403-7978-B398-22AC-EAEAC49B1A0B}"/>
+              </a:ext>
+            </a:extLst>
+          </p:cNvPr>
+          <p:cNvSpPr/>
+          <p:nvPr/>
+        </p:nvSpPr>
+        <p:spPr>
+          <a:xfrm>
+            <a:off x="4649007" y="5539127"/>
+            <a:ext cx="1235873" cy="372878"/>
+          </a:xfrm>
+          <a:prstGeom prst="roundRect">
+            <a:avLst/>
+          </a:prstGeom>
+        </p:spPr>
+        <p:style>
+          <a:lnRef idx="2">
+            <a:schemeClr val="accent1">
+              <a:shade val="50000"/>
+            </a:schemeClr>
+          </a:lnRef>
+          <a:fillRef idx="1">
+            <a:schemeClr val="accent1"/>
+          </a:fillRef>
+          <a:effectRef idx="0">
+            <a:schemeClr val="accent1"/>
+          </a:effectRef>
+          <a:fontRef idx="minor">
+            <a:schemeClr val="lt1"/>
+          </a:fontRef>
+        </p:style>
+        <p:txBody>
+          <a:bodyPr rtlCol="0" anchor="ctr"/>
+          <a:lstStyle/>
+          <a:p>
+            <a:pPr algn="ctr"/>
+            <a:r>
+              <a:rPr lang="en-IN" sz="2400" dirty="0"/>
+              <a:t>Host</a:t>
+            </a:r>
+          </a:p>
+        </p:txBody>
+      </p:sp>
+      <p:sp>
+        <p:nvSpPr>
+          <p:cNvPr id="35" name="Oval 34">
+            <a:extLst>
+              <a:ext uri="{FF2B5EF4-FFF2-40B4-BE49-F238E27FC236}">
+                <a16:creationId xmlns:a16="http://schemas.microsoft.com/office/drawing/2014/main" id="{2F34236C-4554-9312-2EC7-B5C501618A12}"/>
+              </a:ext>
+            </a:extLst>
+          </p:cNvPr>
+          <p:cNvSpPr/>
+          <p:nvPr/>
+        </p:nvSpPr>
+        <p:spPr>
+          <a:xfrm>
+            <a:off x="6873265" y="3680381"/>
+            <a:ext cx="399288" cy="334391"/>
+          </a:xfrm>
+          <a:prstGeom prst="ellipse">
+            <a:avLst/>
+          </a:prstGeom>
+        </p:spPr>
+        <p:style>
+          <a:lnRef idx="1">
+            <a:schemeClr val="accent6"/>
+          </a:lnRef>
+          <a:fillRef idx="2">
+            <a:schemeClr val="accent6"/>
+          </a:fillRef>
+          <a:effectRef idx="1">
+            <a:schemeClr val="accent6"/>
+          </a:effectRef>
+          <a:fontRef idx="minor">
+            <a:schemeClr val="dk1"/>
+          </a:fontRef>
+        </p:style>
+        <p:txBody>
+          <a:bodyPr rtlCol="0" anchor="ctr"/>
+          <a:lstStyle/>
+          <a:p>
+            <a:pPr algn="ctr"/>
+            <a:r>
+              <a:rPr lang="en-IN" sz="2400" dirty="0"/>
+              <a:t>3</a:t>
+            </a:r>
+          </a:p>
+        </p:txBody>
+      </p:sp>
+      <p:sp>
+        <p:nvSpPr>
+          <p:cNvPr id="36" name="Rectangle 35">
+            <a:extLst>
+              <a:ext uri="{FF2B5EF4-FFF2-40B4-BE49-F238E27FC236}">
+                <a16:creationId xmlns:a16="http://schemas.microsoft.com/office/drawing/2014/main" id="{469433E3-093D-8EF3-E871-F85B293E0979}"/>
+              </a:ext>
+            </a:extLst>
+          </p:cNvPr>
+          <p:cNvSpPr/>
+          <p:nvPr/>
+        </p:nvSpPr>
+        <p:spPr>
+          <a:xfrm>
+            <a:off x="6382081" y="4062274"/>
+            <a:ext cx="1381657" cy="747191"/>
+          </a:xfrm>
+          <a:prstGeom prst="rect">
+            <a:avLst/>
+          </a:prstGeom>
+        </p:spPr>
+        <p:style>
+          <a:lnRef idx="2">
+            <a:schemeClr val="accent1">
+              <a:shade val="50000"/>
+            </a:schemeClr>
+          </a:lnRef>
+          <a:fillRef idx="1">
+            <a:schemeClr val="accent1"/>
+          </a:fillRef>
+          <a:effectRef idx="0">
+            <a:schemeClr val="accent1"/>
+          </a:effectRef>
+          <a:fontRef idx="minor">
+            <a:schemeClr val="lt1"/>
+          </a:fontRef>
+        </p:style>
+        <p:txBody>
+          <a:bodyPr rtlCol="0" anchor="ctr"/>
+          <a:lstStyle/>
+          <a:p>
+            <a:pPr algn="ctr"/>
+            <a:r>
+              <a:rPr lang="en-IN" sz="2400" dirty="0"/>
+              <a:t>Populate TLB</a:t>
+            </a:r>
+          </a:p>
+        </p:txBody>
+      </p:sp>
+      <p:cxnSp>
+        <p:nvCxnSpPr>
+          <p:cNvPr id="37" name="Straight Connector 36">
+            <a:extLst>
+              <a:ext uri="{FF2B5EF4-FFF2-40B4-BE49-F238E27FC236}">
+                <a16:creationId xmlns:a16="http://schemas.microsoft.com/office/drawing/2014/main" id="{6A6BCCF1-BE0F-3F44-3281-F1429DEB0A31}"/>
+              </a:ext>
+            </a:extLst>
+          </p:cNvPr>
+          <p:cNvCxnSpPr/>
+          <p:nvPr/>
+        </p:nvCxnSpPr>
+        <p:spPr>
+          <a:xfrm>
+            <a:off x="1353312" y="3273552"/>
+            <a:ext cx="7936992" cy="0"/>
+          </a:xfrm>
+          <a:prstGeom prst="line">
+            <a:avLst/>
+          </a:prstGeom>
+          <a:ln/>
+        </p:spPr>
+        <p:style>
+          <a:lnRef idx="3">
+            <a:schemeClr val="dk1"/>
+          </a:lnRef>
+          <a:fillRef idx="0">
+            <a:schemeClr val="dk1"/>
+          </a:fillRef>
+          <a:effectRef idx="2">
+            <a:schemeClr val="dk1"/>
+          </a:effectRef>
+          <a:fontRef idx="minor">
+            <a:schemeClr val="tx1"/>
+          </a:fontRef>
+        </p:style>
+      </p:cxnSp>
+    </p:spTree>
+    <p:extLst>
+      <p:ext uri="{BB962C8B-B14F-4D97-AF65-F5344CB8AC3E}">
+        <p14:creationId xmlns:p14="http://schemas.microsoft.com/office/powerpoint/2010/main" val="3521055926"/>
+      </p:ext>
+    </p:extLst>
+  </p:cSld>
+  <p:clrMapOvr>
+    <a:masterClrMapping/>
+  </p:clrMapOvr>
+</p:sld>
+</file>
+
+<file path=ppt/slides/slide12.xml><?xml version="1.0" encoding="utf-8"?>
+<p:sld xmlns:a="http://schemas.openxmlformats.org/drawingml/2006/main" xmlns:r="http://schemas.openxmlformats.org/officeDocument/2006/relationships" xmlns:p="http://schemas.openxmlformats.org/presentationml/2006/main">
+  <p:cSld>
+    <p:spTree>
+      <p:nvGrpSpPr>
+        <p:cNvPr id="1" name=""/>
+        <p:cNvGrpSpPr/>
+        <p:nvPr/>
+      </p:nvGrpSpPr>
+      <p:grpSpPr>
+        <a:xfrm>
+          <a:off x="0" y="0"/>
+          <a:ext cx="0" cy="0"/>
+          <a:chOff x="0" y="0"/>
+          <a:chExt cx="0" cy="0"/>
+        </a:xfrm>
+      </p:grpSpPr>
+      <p:sp>
+        <p:nvSpPr>
+          <p:cNvPr id="2" name="Title 1">
+            <a:extLst>
+              <a:ext uri="{FF2B5EF4-FFF2-40B4-BE49-F238E27FC236}">
                 <a16:creationId xmlns:a16="http://schemas.microsoft.com/office/drawing/2014/main" id="{3323DA5E-8A69-E6FD-A09B-145CBAE1C0FF}"/>
               </a:ext>
             </a:extLst>
@@ -12624,7 +15281,7 @@
           <a:p>
             <a:fld id="{330EA680-D336-4FF7-8B7A-9848BB0A1C32}" type="slidenum">
               <a:rPr lang="en-US" smtClean="0"/>
-              <a:t>10</a:t>
+              <a:t>12</a:t>
             </a:fld>
             <a:endParaRPr lang="en-US"/>
           </a:p>
@@ -13109,7 +15766,7 @@
 </p:sld>
 </file>
 
-<file path=ppt/slides/slide11.xml><?xml version="1.0" encoding="utf-8"?>
+<file path=ppt/slides/slide13.xml><?xml version="1.0" encoding="utf-8"?>
 <p:sld xmlns:a="http://schemas.openxmlformats.org/drawingml/2006/main" xmlns:r="http://schemas.openxmlformats.org/officeDocument/2006/relationships" xmlns:p="http://schemas.openxmlformats.org/presentationml/2006/main">
   <p:cSld>
     <p:spTree>
@@ -13656,7 +16313,7 @@
           <a:p>
             <a:fld id="{330EA680-D336-4FF7-8B7A-9848BB0A1C32}" type="slidenum">
               <a:rPr lang="en-US" smtClean="0"/>
-              <a:t>11</a:t>
+              <a:t>13</a:t>
             </a:fld>
             <a:endParaRPr lang="en-US"/>
           </a:p>
@@ -13770,7 +16427,7 @@
 </p:sld>
 </file>
 
-<file path=ppt/slides/slide12.xml><?xml version="1.0" encoding="utf-8"?>
+<file path=ppt/slides/slide14.xml><?xml version="1.0" encoding="utf-8"?>
 <p:sld xmlns:a="http://schemas.openxmlformats.org/drawingml/2006/main" xmlns:r="http://schemas.openxmlformats.org/officeDocument/2006/relationships" xmlns:p="http://schemas.openxmlformats.org/presentationml/2006/main">
   <p:cSld>
     <p:spTree>
@@ -13872,7 +16529,7 @@
           <a:p>
             <a:fld id="{330EA680-D336-4FF7-8B7A-9848BB0A1C32}" type="slidenum">
               <a:rPr lang="en-US" smtClean="0"/>
-              <a:t>12</a:t>
+              <a:t>14</a:t>
             </a:fld>
             <a:endParaRPr lang="en-US"/>
           </a:p>
@@ -14237,7 +16894,7 @@
 </p:sld>
 </file>
 
-<file path=ppt/slides/slide13.xml><?xml version="1.0" encoding="utf-8"?>
+<file path=ppt/slides/slide15.xml><?xml version="1.0" encoding="utf-8"?>
 <p:sld xmlns:a="http://schemas.openxmlformats.org/drawingml/2006/main" xmlns:r="http://schemas.openxmlformats.org/officeDocument/2006/relationships" xmlns:p="http://schemas.openxmlformats.org/presentationml/2006/main">
   <p:cSld>
     <p:spTree>
@@ -14366,7 +17023,7 @@
           <a:p>
             <a:fld id="{330EA680-D336-4FF7-8B7A-9848BB0A1C32}" type="slidenum">
               <a:rPr lang="en-US" smtClean="0"/>
-              <a:t>13</a:t>
+              <a:t>15</a:t>
             </a:fld>
             <a:endParaRPr lang="en-US"/>
           </a:p>
@@ -14385,7 +17042,7 @@
 </p:sld>
 </file>
 
-<file path=ppt/slides/slide14.xml><?xml version="1.0" encoding="utf-8"?>
+<file path=ppt/slides/slide16.xml><?xml version="1.0" encoding="utf-8"?>
 <p:sld xmlns:a="http://schemas.openxmlformats.org/drawingml/2006/main" xmlns:r="http://schemas.openxmlformats.org/officeDocument/2006/relationships" xmlns:p="http://schemas.openxmlformats.org/presentationml/2006/main">
   <p:cSld>
     <p:spTree>
@@ -14612,7 +17269,7 @@
           <a:p>
             <a:fld id="{330EA680-D336-4FF7-8B7A-9848BB0A1C32}" type="slidenum">
               <a:rPr lang="en-US" smtClean="0"/>
-              <a:t>14</a:t>
+              <a:t>16</a:t>
             </a:fld>
             <a:endParaRPr lang="en-US"/>
           </a:p>
